--- a/Lab/Paper Survey 1/Paper survey I.pptx
+++ b/Lab/Paper Survey 1/Paper survey I.pptx
@@ -5,7 +5,7 @@
     <p:sldMasterId id="2147483756" r:id="rId1"/>
   </p:sldMasterIdLst>
   <p:notesMasterIdLst>
-    <p:notesMasterId r:id="rId22"/>
+    <p:notesMasterId r:id="rId21"/>
   </p:notesMasterIdLst>
   <p:sldIdLst>
     <p:sldId id="256" r:id="rId2"/>
@@ -16,18 +16,17 @@
     <p:sldId id="269" r:id="rId7"/>
     <p:sldId id="266" r:id="rId8"/>
     <p:sldId id="267" r:id="rId9"/>
-    <p:sldId id="260" r:id="rId10"/>
-    <p:sldId id="270" r:id="rId11"/>
-    <p:sldId id="271" r:id="rId12"/>
-    <p:sldId id="273" r:id="rId13"/>
-    <p:sldId id="261" r:id="rId14"/>
-    <p:sldId id="262" r:id="rId15"/>
-    <p:sldId id="274" r:id="rId16"/>
-    <p:sldId id="275" r:id="rId17"/>
-    <p:sldId id="277" r:id="rId18"/>
-    <p:sldId id="276" r:id="rId19"/>
-    <p:sldId id="278" r:id="rId20"/>
-    <p:sldId id="279" r:id="rId21"/>
+    <p:sldId id="270" r:id="rId10"/>
+    <p:sldId id="271" r:id="rId11"/>
+    <p:sldId id="273" r:id="rId12"/>
+    <p:sldId id="261" r:id="rId13"/>
+    <p:sldId id="262" r:id="rId14"/>
+    <p:sldId id="274" r:id="rId15"/>
+    <p:sldId id="275" r:id="rId16"/>
+    <p:sldId id="277" r:id="rId17"/>
+    <p:sldId id="276" r:id="rId18"/>
+    <p:sldId id="278" r:id="rId19"/>
+    <p:sldId id="279" r:id="rId20"/>
   </p:sldIdLst>
   <p:sldSz cx="12192000" cy="6858000"/>
   <p:notesSz cx="6858000" cy="9144000"/>
@@ -5685,7 +5684,7 @@
           <a:p>
             <a:fld id="{561D23BB-9913-48A5-B22E-59614ACCCF9C}" type="datetimeFigureOut">
               <a:rPr lang="zh-TW" altLang="en-US" smtClean="0"/>
-              <a:t>2019/10/17</a:t>
+              <a:t>2019/10/18</a:t>
             </a:fld>
             <a:endParaRPr lang="zh-TW" altLang="en-US"/>
           </a:p>
@@ -6177,7 +6176,7 @@
           <a:p>
             <a:fld id="{EE38EB9C-E11B-4D56-B4D4-511B0D7DCE02}" type="datetime1">
               <a:rPr lang="zh-TW" altLang="en-US" smtClean="0"/>
-              <a:t>2019/10/17</a:t>
+              <a:t>2019/10/18</a:t>
             </a:fld>
             <a:endParaRPr lang="zh-TW" altLang="en-US"/>
           </a:p>
@@ -6352,7 +6351,7 @@
           <a:p>
             <a:fld id="{EE38EB9C-E11B-4D56-B4D4-511B0D7DCE02}" type="datetime1">
               <a:rPr lang="zh-TW" altLang="en-US" smtClean="0"/>
-              <a:t>2019/10/17</a:t>
+              <a:t>2019/10/18</a:t>
             </a:fld>
             <a:endParaRPr lang="zh-TW" altLang="en-US"/>
           </a:p>
@@ -6537,7 +6536,7 @@
           <a:p>
             <a:fld id="{EE38EB9C-E11B-4D56-B4D4-511B0D7DCE02}" type="datetime1">
               <a:rPr lang="zh-TW" altLang="en-US" smtClean="0"/>
-              <a:t>2019/10/17</a:t>
+              <a:t>2019/10/18</a:t>
             </a:fld>
             <a:endParaRPr lang="zh-TW" altLang="en-US"/>
           </a:p>
@@ -6712,7 +6711,7 @@
           <a:p>
             <a:fld id="{EE38EB9C-E11B-4D56-B4D4-511B0D7DCE02}" type="datetime1">
               <a:rPr lang="zh-TW" altLang="en-US" smtClean="0"/>
-              <a:t>2019/10/17</a:t>
+              <a:t>2019/10/18</a:t>
             </a:fld>
             <a:endParaRPr lang="zh-TW" altLang="en-US"/>
           </a:p>
@@ -6975,7 +6974,7 @@
           <a:p>
             <a:fld id="{EE38EB9C-E11B-4D56-B4D4-511B0D7DCE02}" type="datetime1">
               <a:rPr lang="zh-TW" altLang="en-US" smtClean="0"/>
-              <a:t>2019/10/17</a:t>
+              <a:t>2019/10/18</a:t>
             </a:fld>
             <a:endParaRPr lang="zh-TW" altLang="en-US"/>
           </a:p>
@@ -7268,7 +7267,7 @@
           <a:p>
             <a:fld id="{EE38EB9C-E11B-4D56-B4D4-511B0D7DCE02}" type="datetime1">
               <a:rPr lang="zh-TW" altLang="en-US" smtClean="0"/>
-              <a:t>2019/10/17</a:t>
+              <a:t>2019/10/18</a:t>
             </a:fld>
             <a:endParaRPr lang="zh-TW" altLang="en-US"/>
           </a:p>
@@ -7715,7 +7714,7 @@
           <a:p>
             <a:fld id="{EE38EB9C-E11B-4D56-B4D4-511B0D7DCE02}" type="datetime1">
               <a:rPr lang="zh-TW" altLang="en-US" smtClean="0"/>
-              <a:t>2019/10/17</a:t>
+              <a:t>2019/10/18</a:t>
             </a:fld>
             <a:endParaRPr lang="zh-TW" altLang="en-US"/>
           </a:p>
@@ -7838,7 +7837,7 @@
           <a:p>
             <a:fld id="{EE38EB9C-E11B-4D56-B4D4-511B0D7DCE02}" type="datetime1">
               <a:rPr lang="zh-TW" altLang="en-US" smtClean="0"/>
-              <a:t>2019/10/17</a:t>
+              <a:t>2019/10/18</a:t>
             </a:fld>
             <a:endParaRPr lang="zh-TW" altLang="en-US"/>
           </a:p>
@@ -7938,7 +7937,7 @@
           <a:p>
             <a:fld id="{EE38EB9C-E11B-4D56-B4D4-511B0D7DCE02}" type="datetime1">
               <a:rPr lang="zh-TW" altLang="en-US" smtClean="0"/>
-              <a:t>2019/10/17</a:t>
+              <a:t>2019/10/18</a:t>
             </a:fld>
             <a:endParaRPr lang="zh-TW" altLang="en-US"/>
           </a:p>
@@ -8231,7 +8230,7 @@
           <a:p>
             <a:fld id="{EE38EB9C-E11B-4D56-B4D4-511B0D7DCE02}" type="datetime1">
               <a:rPr lang="zh-TW" altLang="en-US" smtClean="0"/>
-              <a:t>2019/10/17</a:t>
+              <a:t>2019/10/18</a:t>
             </a:fld>
             <a:endParaRPr lang="zh-TW" altLang="en-US"/>
           </a:p>
@@ -8509,7 +8508,7 @@
           <a:p>
             <a:fld id="{EE38EB9C-E11B-4D56-B4D4-511B0D7DCE02}" type="datetime1">
               <a:rPr lang="zh-TW" altLang="en-US" smtClean="0"/>
-              <a:t>2019/10/17</a:t>
+              <a:t>2019/10/18</a:t>
             </a:fld>
             <a:endParaRPr lang="zh-TW" altLang="en-US"/>
           </a:p>
@@ -8811,7 +8810,7 @@
           <a:p>
             <a:fld id="{EE38EB9C-E11B-4D56-B4D4-511B0D7DCE02}" type="datetime1">
               <a:rPr lang="zh-TW" altLang="en-US" smtClean="0"/>
-              <a:t>2019/10/17</a:t>
+              <a:t>2019/10/18</a:t>
             </a:fld>
             <a:endParaRPr lang="zh-TW" altLang="en-US"/>
           </a:p>
@@ -9423,7 +9422,7 @@
           <a:p>
             <a:fld id="{4906407F-7B20-4C6C-8D7A-028929B10B80}" type="datetime1">
               <a:rPr lang="zh-TW" altLang="en-US" smtClean="0"/>
-              <a:t>2019/10/17</a:t>
+              <a:t>2019/10/18</a:t>
             </a:fld>
             <a:endParaRPr lang="zh-TW" altLang="en-US"/>
           </a:p>
@@ -9526,13 +9525,76 @@
       </p:grpSpPr>
       <p:sp>
         <p:nvSpPr>
-          <p:cNvPr id="3" name="Content Placeholder 2">
-            <a:extLst>
-              <a:ext uri="{FF2B5EF4-FFF2-40B4-BE49-F238E27FC236}">
-                <a16:creationId xmlns:a16="http://schemas.microsoft.com/office/drawing/2014/main" id="{6EEAE41B-0806-45B6-A2D9-990808B925E9}"/>
-              </a:ext>
-            </a:extLst>
-          </p:cNvPr>
+          <p:cNvPr id="4" name="日期版面配置區 3"/>
+          <p:cNvSpPr>
+            <a:spLocks noGrp="1"/>
+          </p:cNvSpPr>
+          <p:nvPr>
+            <p:ph type="dt" sz="half" idx="10"/>
+          </p:nvPr>
+        </p:nvSpPr>
+        <p:spPr/>
+        <p:txBody>
+          <a:bodyPr/>
+          <a:lstStyle/>
+          <a:p>
+            <a:fld id="{EE38EB9C-E11B-4D56-B4D4-511B0D7DCE02}" type="datetime1">
+              <a:rPr lang="zh-TW" altLang="en-US" smtClean="0"/>
+              <a:t>2019/10/18</a:t>
+            </a:fld>
+            <a:endParaRPr lang="zh-TW" altLang="en-US"/>
+          </a:p>
+        </p:txBody>
+      </p:sp>
+      <p:sp>
+        <p:nvSpPr>
+          <p:cNvPr id="5" name="頁尾版面配置區 4"/>
+          <p:cNvSpPr>
+            <a:spLocks noGrp="1"/>
+          </p:cNvSpPr>
+          <p:nvPr>
+            <p:ph type="ftr" sz="quarter" idx="11"/>
+          </p:nvPr>
+        </p:nvSpPr>
+        <p:spPr/>
+        <p:txBody>
+          <a:bodyPr/>
+          <a:lstStyle/>
+          <a:p>
+            <a:r>
+              <a:rPr lang="en-US" altLang="zh-TW" smtClean="0"/>
+              <a:t>Weber Huang, TMU NLP Lab</a:t>
+            </a:r>
+            <a:endParaRPr lang="zh-TW" altLang="en-US"/>
+          </a:p>
+        </p:txBody>
+      </p:sp>
+      <p:sp>
+        <p:nvSpPr>
+          <p:cNvPr id="6" name="投影片編號版面配置區 5"/>
+          <p:cNvSpPr>
+            <a:spLocks noGrp="1"/>
+          </p:cNvSpPr>
+          <p:nvPr>
+            <p:ph type="sldNum" sz="quarter" idx="12"/>
+          </p:nvPr>
+        </p:nvSpPr>
+        <p:spPr/>
+        <p:txBody>
+          <a:bodyPr/>
+          <a:lstStyle/>
+          <a:p>
+            <a:fld id="{AABF7C73-049C-4C12-AAE6-7736D80C8E91}" type="slidenum">
+              <a:rPr lang="zh-TW" altLang="en-US" smtClean="0"/>
+              <a:t>10</a:t>
+            </a:fld>
+            <a:endParaRPr lang="zh-TW" altLang="en-US"/>
+          </a:p>
+        </p:txBody>
+      </p:sp>
+      <p:sp>
+        <p:nvSpPr>
+          <p:cNvPr id="8" name="內容版面配置區 7"/>
           <p:cNvSpPr>
             <a:spLocks noGrp="1"/>
           </p:cNvSpPr>
@@ -9542,454 +9604,125 @@
         </p:nvSpPr>
         <p:spPr>
           <a:xfrm>
-            <a:off x="3869268" y="864108"/>
-            <a:ext cx="7315200" cy="3144556"/>
+            <a:off x="3869268" y="2759528"/>
+            <a:ext cx="7315200" cy="3420836"/>
           </a:xfrm>
         </p:spPr>
         <p:txBody>
-          <a:bodyPr>
-            <a:normAutofit/>
-          </a:bodyPr>
+          <a:bodyPr/>
           <a:lstStyle/>
           <a:p>
-            <a:pPr marL="0" indent="0">
-              <a:buNone/>
-            </a:pPr>
-            <a:r>
-              <a:rPr lang="en-US" altLang="zh-TW" b="1" dirty="0"/>
-              <a:t>Translating Evaluation Sets</a:t>
-            </a:r>
-          </a:p>
-          <a:p>
-            <a:r>
-              <a:rPr lang="en-US" altLang="zh-TW" dirty="0" smtClean="0"/>
-              <a:t>Obtaining </a:t>
-            </a:r>
-            <a:r>
-              <a:rPr lang="en-US" altLang="zh-TW" dirty="0"/>
-              <a:t>human translations on a random sample of 4,000 sentence pairs from the PAWS development set for each of the six </a:t>
-            </a:r>
-            <a:r>
-              <a:rPr lang="en-US" altLang="zh-TW" dirty="0" smtClean="0"/>
-              <a:t>languages</a:t>
-            </a:r>
-          </a:p>
-          <a:p>
-            <a:r>
-              <a:rPr lang="en-US" altLang="zh-TW" dirty="0"/>
-              <a:t>A randomly sampled subset is presented and validated by a second worker. The ﬁnal delivery is guaranteed to have less than 5% word level error rate</a:t>
-            </a:r>
-            <a:r>
-              <a:rPr lang="en-US" altLang="zh-TW" dirty="0" smtClean="0"/>
+            <a:r>
+              <a:rPr lang="en-US" dirty="0"/>
+              <a:t> Some sentences could not be </a:t>
+            </a:r>
+            <a:r>
+              <a:rPr lang="en-US" dirty="0" smtClean="0"/>
+              <a:t>translated</a:t>
+            </a:r>
+            <a:r>
+              <a:rPr lang="en-US" dirty="0"/>
+              <a:t>. Table 2 shows the ﬁnal counts translated to each language</a:t>
+            </a:r>
+            <a:r>
+              <a:rPr lang="en-US" dirty="0" smtClean="0"/>
               <a:t>.</a:t>
             </a:r>
           </a:p>
           <a:p>
-            <a:r>
-              <a:rPr lang="en-US" altLang="zh-TW" dirty="0"/>
-              <a:t> The sampled 4,000 pairs are split into new development and test sets, 2,000 pairs for each. </a:t>
-            </a:r>
-            <a:endParaRPr lang="en-US" altLang="zh-TW" dirty="0" smtClean="0"/>
+            <a:pPr lvl="1"/>
+            <a:r>
+              <a:rPr lang="en-US" dirty="0"/>
+              <a:t>Incompleteness, </a:t>
+            </a:r>
+            <a:r>
+              <a:rPr lang="en-US" dirty="0" smtClean="0"/>
+              <a:t>ambiguities</a:t>
+            </a:r>
+          </a:p>
+          <a:p>
+            <a:pPr lvl="1"/>
+            <a:r>
+              <a:rPr lang="en-US" dirty="0" smtClean="0"/>
+              <a:t>likely </a:t>
+            </a:r>
+            <a:r>
+              <a:rPr lang="en-US" dirty="0"/>
+              <a:t>from the </a:t>
+            </a:r>
+            <a:r>
+              <a:rPr lang="en-US" dirty="0" smtClean="0"/>
+              <a:t>Adversarial </a:t>
+            </a:r>
+            <a:r>
+              <a:rPr lang="en-US" dirty="0"/>
+              <a:t>generation process when creating PAWS</a:t>
+            </a:r>
+            <a:endParaRPr lang="en-US" dirty="0" smtClean="0"/>
+          </a:p>
+          <a:p>
+            <a:pPr lvl="1"/>
+            <a:r>
+              <a:rPr lang="en-US" dirty="0" smtClean="0"/>
+              <a:t>&lt; 2%</a:t>
+            </a:r>
+            <a:endParaRPr lang="en-US" dirty="0"/>
+          </a:p>
+          <a:p>
+            <a:r>
+              <a:rPr lang="en-US" dirty="0" smtClean="0"/>
+              <a:t>Original </a:t>
+            </a:r>
+            <a:r>
+              <a:rPr lang="en-US" dirty="0"/>
+              <a:t>PAWS labels (paraphrase or not paraphrase) are mapped to the translations. Positive pairs account for 44.0% of development sets and 45.4% of test respectively–close to the PAWS label distribution. </a:t>
+            </a:r>
+            <a:endParaRPr lang="en-US" dirty="0" smtClean="0"/>
+          </a:p>
+          <a:p>
+            <a:r>
+              <a:rPr lang="en-US" dirty="0" smtClean="0"/>
+              <a:t>Entity mention problem</a:t>
+            </a:r>
+          </a:p>
+          <a:p>
+            <a:endParaRPr lang="en-US" dirty="0"/>
           </a:p>
         </p:txBody>
       </p:sp>
-      <p:sp>
-        <p:nvSpPr>
-          <p:cNvPr id="4" name="Date Placeholder 3">
+      <p:pic>
+        <p:nvPicPr>
+          <p:cNvPr id="9" name="圖片 8"/>
+          <p:cNvPicPr>
+            <a:picLocks noChangeAspect="1"/>
+          </p:cNvPicPr>
+          <p:nvPr/>
+        </p:nvPicPr>
+        <p:blipFill>
+          <a:blip r:embed="rId2">
             <a:extLst>
-              <a:ext uri="{FF2B5EF4-FFF2-40B4-BE49-F238E27FC236}">
-                <a16:creationId xmlns:a16="http://schemas.microsoft.com/office/drawing/2014/main" id="{879E78F9-685E-4270-8E85-9A0714064DB7}"/>
+              <a:ext uri="{28A0092B-C50C-407E-A947-70E740481C1C}">
+                <a14:useLocalDpi xmlns:a14="http://schemas.microsoft.com/office/drawing/2010/main" val="0"/>
               </a:ext>
             </a:extLst>
-          </p:cNvPr>
-          <p:cNvSpPr>
-            <a:spLocks noGrp="1"/>
-          </p:cNvSpPr>
-          <p:nvPr>
-            <p:ph type="dt" sz="half" idx="10"/>
-          </p:nvPr>
-        </p:nvSpPr>
-        <p:spPr/>
-        <p:txBody>
-          <a:bodyPr/>
-          <a:lstStyle/>
-          <a:p>
-            <a:fld id="{3415ADB7-4E4D-4BFE-9487-40AE12F6211F}" type="datetime1">
-              <a:rPr lang="zh-TW" altLang="en-US" smtClean="0"/>
-              <a:t>2019/10/17</a:t>
-            </a:fld>
-            <a:endParaRPr lang="zh-TW" altLang="en-US"/>
-          </a:p>
-        </p:txBody>
-      </p:sp>
-      <p:sp>
-        <p:nvSpPr>
-          <p:cNvPr id="5" name="Footer Placeholder 4">
-            <a:extLst>
-              <a:ext uri="{FF2B5EF4-FFF2-40B4-BE49-F238E27FC236}">
-                <a16:creationId xmlns:a16="http://schemas.microsoft.com/office/drawing/2014/main" id="{2598BA84-917F-4D69-8ED5-82BA75C0D5D5}"/>
-              </a:ext>
-            </a:extLst>
-          </p:cNvPr>
-          <p:cNvSpPr>
-            <a:spLocks noGrp="1"/>
-          </p:cNvSpPr>
-          <p:nvPr>
-            <p:ph type="ftr" sz="quarter" idx="11"/>
-          </p:nvPr>
-        </p:nvSpPr>
-        <p:spPr/>
-        <p:txBody>
-          <a:bodyPr/>
-          <a:lstStyle/>
-          <a:p>
-            <a:r>
-              <a:rPr lang="en-US" altLang="zh-TW"/>
-              <a:t>Weber Huang, TMU NLP Lab</a:t>
-            </a:r>
-            <a:endParaRPr lang="zh-TW" altLang="en-US"/>
-          </a:p>
-        </p:txBody>
-      </p:sp>
-      <p:sp>
-        <p:nvSpPr>
-          <p:cNvPr id="6" name="Slide Number Placeholder 5">
-            <a:extLst>
-              <a:ext uri="{FF2B5EF4-FFF2-40B4-BE49-F238E27FC236}">
-                <a16:creationId xmlns:a16="http://schemas.microsoft.com/office/drawing/2014/main" id="{6D08C74F-32E5-422A-A8AF-194354040371}"/>
-              </a:ext>
-            </a:extLst>
-          </p:cNvPr>
-          <p:cNvSpPr>
-            <a:spLocks noGrp="1"/>
-          </p:cNvSpPr>
-          <p:nvPr>
-            <p:ph type="sldNum" sz="quarter" idx="12"/>
-          </p:nvPr>
-        </p:nvSpPr>
-        <p:spPr/>
-        <p:txBody>
-          <a:bodyPr/>
-          <a:lstStyle/>
-          <a:p>
-            <a:fld id="{AABF7C73-049C-4C12-AAE6-7736D80C8E91}" type="slidenum">
-              <a:rPr lang="zh-TW" altLang="en-US" smtClean="0"/>
-              <a:t>10</a:t>
-            </a:fld>
-            <a:endParaRPr lang="zh-TW" altLang="en-US"/>
-          </a:p>
-        </p:txBody>
-      </p:sp>
-      <p:sp>
-        <p:nvSpPr>
-          <p:cNvPr id="7" name="橢圓 6"/>
-          <p:cNvSpPr/>
-          <p:nvPr/>
-        </p:nvSpPr>
+          </a:blip>
+          <a:stretch>
+            <a:fillRect/>
+          </a:stretch>
+        </p:blipFill>
         <p:spPr>
           <a:xfrm>
-            <a:off x="3755572" y="4195042"/>
-            <a:ext cx="1828800" cy="1306285"/>
-          </a:xfrm>
-          <a:prstGeom prst="ellipse">
-            <a:avLst/>
-          </a:prstGeom>
-          <a:solidFill>
-            <a:schemeClr val="accent3"/>
-          </a:solidFill>
-          <a:ln>
-            <a:noFill/>
-          </a:ln>
-        </p:spPr>
-        <p:style>
-          <a:lnRef idx="2">
-            <a:schemeClr val="accent1">
-              <a:shade val="50000"/>
-            </a:schemeClr>
-          </a:lnRef>
-          <a:fillRef idx="1">
-            <a:schemeClr val="accent1"/>
-          </a:fillRef>
-          <a:effectRef idx="0">
-            <a:schemeClr val="accent1"/>
-          </a:effectRef>
-          <a:fontRef idx="minor">
-            <a:schemeClr val="lt1"/>
-          </a:fontRef>
-        </p:style>
-        <p:txBody>
-          <a:bodyPr rtlCol="0" anchor="ctr"/>
-          <a:lstStyle/>
-          <a:p>
-            <a:pPr algn="ctr"/>
-            <a:r>
-              <a:rPr lang="en-US" dirty="0" smtClean="0"/>
-              <a:t>Human translated data </a:t>
-            </a:r>
-            <a:endParaRPr lang="en-US" dirty="0"/>
-          </a:p>
-        </p:txBody>
-      </p:sp>
-      <p:sp>
-        <p:nvSpPr>
-          <p:cNvPr id="8" name="向右箭號 7"/>
-          <p:cNvSpPr/>
-          <p:nvPr/>
-        </p:nvSpPr>
-        <p:spPr>
-          <a:xfrm>
-            <a:off x="5772150" y="4627748"/>
-            <a:ext cx="449036" cy="440871"/>
-          </a:xfrm>
-          <a:prstGeom prst="rightArrow">
-            <a:avLst/>
-          </a:prstGeom>
-        </p:spPr>
-        <p:style>
-          <a:lnRef idx="2">
-            <a:schemeClr val="accent1">
-              <a:shade val="50000"/>
-            </a:schemeClr>
-          </a:lnRef>
-          <a:fillRef idx="1">
-            <a:schemeClr val="accent1"/>
-          </a:fillRef>
-          <a:effectRef idx="0">
-            <a:schemeClr val="accent1"/>
-          </a:effectRef>
-          <a:fontRef idx="minor">
-            <a:schemeClr val="lt1"/>
-          </a:fontRef>
-        </p:style>
-        <p:txBody>
-          <a:bodyPr rtlCol="0" anchor="ctr"/>
-          <a:lstStyle/>
-          <a:p>
-            <a:pPr algn="ctr"/>
-            <a:endParaRPr lang="en-US"/>
-          </a:p>
-        </p:txBody>
-      </p:sp>
-      <p:sp>
-        <p:nvSpPr>
-          <p:cNvPr id="9" name="橢圓 8"/>
-          <p:cNvSpPr/>
-          <p:nvPr/>
-        </p:nvSpPr>
-        <p:spPr>
-          <a:xfrm>
-            <a:off x="6466115" y="4195042"/>
-            <a:ext cx="2481944" cy="1306285"/>
-          </a:xfrm>
-          <a:prstGeom prst="ellipse">
-            <a:avLst/>
-          </a:prstGeom>
-          <a:solidFill>
-            <a:schemeClr val="accent2">
-              <a:lumMod val="75000"/>
-            </a:schemeClr>
-          </a:solidFill>
-          <a:ln>
-            <a:noFill/>
-          </a:ln>
-        </p:spPr>
-        <p:style>
-          <a:lnRef idx="2">
-            <a:schemeClr val="accent1">
-              <a:shade val="50000"/>
-            </a:schemeClr>
-          </a:lnRef>
-          <a:fillRef idx="1">
-            <a:schemeClr val="accent1"/>
-          </a:fillRef>
-          <a:effectRef idx="0">
-            <a:schemeClr val="accent1"/>
-          </a:effectRef>
-          <a:fontRef idx="minor">
-            <a:schemeClr val="lt1"/>
-          </a:fontRef>
-        </p:style>
-        <p:txBody>
-          <a:bodyPr rtlCol="0" anchor="ctr"/>
-          <a:lstStyle/>
-          <a:p>
-            <a:pPr algn="ctr"/>
-            <a:r>
-              <a:rPr lang="en-US" dirty="0" smtClean="0"/>
-              <a:t>4,000 </a:t>
-            </a:r>
-            <a:r>
-              <a:rPr lang="en-US" dirty="0"/>
-              <a:t>sentence </a:t>
-            </a:r>
-            <a:r>
-              <a:rPr lang="en-US" dirty="0" smtClean="0"/>
-              <a:t>pairs if each language</a:t>
-            </a:r>
-            <a:endParaRPr lang="en-US" dirty="0"/>
-          </a:p>
-        </p:txBody>
-      </p:sp>
-      <p:sp>
-        <p:nvSpPr>
-          <p:cNvPr id="10" name="向右箭號 9"/>
-          <p:cNvSpPr/>
-          <p:nvPr/>
-        </p:nvSpPr>
-        <p:spPr>
-          <a:xfrm rot="20078469">
-            <a:off x="9029700" y="4121563"/>
-            <a:ext cx="587829" cy="269421"/>
-          </a:xfrm>
-          <a:prstGeom prst="rightArrow">
-            <a:avLst/>
-          </a:prstGeom>
-        </p:spPr>
-        <p:style>
-          <a:lnRef idx="2">
-            <a:schemeClr val="accent1">
-              <a:shade val="50000"/>
-            </a:schemeClr>
-          </a:lnRef>
-          <a:fillRef idx="1">
-            <a:schemeClr val="accent1"/>
-          </a:fillRef>
-          <a:effectRef idx="0">
-            <a:schemeClr val="accent1"/>
-          </a:effectRef>
-          <a:fontRef idx="minor">
-            <a:schemeClr val="lt1"/>
-          </a:fontRef>
-        </p:style>
-        <p:txBody>
-          <a:bodyPr rtlCol="0" anchor="ctr"/>
-          <a:lstStyle/>
-          <a:p>
-            <a:pPr algn="ctr"/>
-            <a:endParaRPr lang="en-US"/>
-          </a:p>
-        </p:txBody>
-      </p:sp>
-      <p:sp>
-        <p:nvSpPr>
-          <p:cNvPr id="11" name="向右箭號 10"/>
-          <p:cNvSpPr/>
-          <p:nvPr/>
-        </p:nvSpPr>
-        <p:spPr>
-          <a:xfrm rot="1542434">
-            <a:off x="9029732" y="5161684"/>
-            <a:ext cx="587829" cy="269421"/>
-          </a:xfrm>
-          <a:prstGeom prst="rightArrow">
-            <a:avLst/>
-          </a:prstGeom>
-        </p:spPr>
-        <p:style>
-          <a:lnRef idx="2">
-            <a:schemeClr val="accent1">
-              <a:shade val="50000"/>
-            </a:schemeClr>
-          </a:lnRef>
-          <a:fillRef idx="1">
-            <a:schemeClr val="accent1"/>
-          </a:fillRef>
-          <a:effectRef idx="0">
-            <a:schemeClr val="accent1"/>
-          </a:effectRef>
-          <a:fontRef idx="minor">
-            <a:schemeClr val="lt1"/>
-          </a:fontRef>
-        </p:style>
-        <p:txBody>
-          <a:bodyPr rtlCol="0" anchor="ctr"/>
-          <a:lstStyle/>
-          <a:p>
-            <a:pPr algn="ctr"/>
-            <a:endParaRPr lang="en-US"/>
-          </a:p>
-        </p:txBody>
-      </p:sp>
-      <p:sp>
-        <p:nvSpPr>
-          <p:cNvPr id="12" name="文字方塊 11"/>
-          <p:cNvSpPr txBox="1"/>
-          <p:nvPr/>
-        </p:nvSpPr>
-        <p:spPr>
-          <a:xfrm>
-            <a:off x="9646902" y="3861707"/>
-            <a:ext cx="2545097" cy="646331"/>
+            <a:off x="4647806" y="1123837"/>
+            <a:ext cx="5639587" cy="1400370"/>
           </a:xfrm>
           <a:prstGeom prst="rect">
             <a:avLst/>
           </a:prstGeom>
-          <a:noFill/>
         </p:spPr>
-        <p:txBody>
-          <a:bodyPr wrap="square" rtlCol="0">
-            <a:spAutoFit/>
-          </a:bodyPr>
-          <a:lstStyle/>
-          <a:p>
-            <a:r>
-              <a:rPr lang="en-US" altLang="zh-TW" dirty="0"/>
-              <a:t>development sets </a:t>
-            </a:r>
-            <a:endParaRPr lang="en-US" altLang="zh-TW" dirty="0" smtClean="0"/>
-          </a:p>
-          <a:p>
-            <a:r>
-              <a:rPr lang="en-US" dirty="0" smtClean="0"/>
-              <a:t>2000 pairs</a:t>
-            </a:r>
-            <a:endParaRPr lang="en-US" dirty="0"/>
-          </a:p>
-        </p:txBody>
-      </p:sp>
-      <p:sp>
-        <p:nvSpPr>
-          <p:cNvPr id="13" name="文字方塊 12"/>
-          <p:cNvSpPr txBox="1"/>
-          <p:nvPr/>
-        </p:nvSpPr>
-        <p:spPr>
-          <a:xfrm>
-            <a:off x="9646902" y="5222098"/>
-            <a:ext cx="2359416" cy="646331"/>
-          </a:xfrm>
-          <a:prstGeom prst="rect">
-            <a:avLst/>
-          </a:prstGeom>
-          <a:noFill/>
-        </p:spPr>
-        <p:txBody>
-          <a:bodyPr wrap="square" rtlCol="0">
-            <a:spAutoFit/>
-          </a:bodyPr>
-          <a:lstStyle/>
-          <a:p>
-            <a:r>
-              <a:rPr lang="en-US" altLang="zh-TW" dirty="0"/>
-              <a:t>test sets </a:t>
-            </a:r>
-            <a:r>
-              <a:rPr lang="en-US" altLang="zh-TW" dirty="0" smtClean="0"/>
-              <a:t> </a:t>
-            </a:r>
-          </a:p>
-          <a:p>
-            <a:r>
-              <a:rPr lang="en-US" dirty="0" smtClean="0"/>
-              <a:t>2000 pairs</a:t>
-            </a:r>
-            <a:endParaRPr lang="en-US" dirty="0"/>
-          </a:p>
-        </p:txBody>
-      </p:sp>
-      <p:sp>
-        <p:nvSpPr>
-          <p:cNvPr id="16" name="Title 1">
+      </p:pic>
+      <p:sp>
+        <p:nvSpPr>
+          <p:cNvPr id="11" name="Title 1">
             <a:extLst>
               <a:ext uri="{FF2B5EF4-FFF2-40B4-BE49-F238E27FC236}">
                 <a16:creationId xmlns:a16="http://schemas.microsoft.com/office/drawing/2014/main" id="{931468BC-776D-4FEC-8530-2EF244BDEE17}"/>
@@ -10003,7 +9736,12 @@
             <p:ph type="title"/>
           </p:nvPr>
         </p:nvSpPr>
-        <p:spPr/>
+        <p:spPr>
+          <a:xfrm>
+            <a:off x="252919" y="1123837"/>
+            <a:ext cx="2947482" cy="4601183"/>
+          </a:xfrm>
+        </p:spPr>
         <p:txBody>
           <a:bodyPr>
             <a:normAutofit/>
@@ -10259,7 +9997,7 @@
     </p:spTree>
     <p:extLst>
       <p:ext uri="{BB962C8B-B14F-4D97-AF65-F5344CB8AC3E}">
-        <p14:creationId xmlns:p14="http://schemas.microsoft.com/office/powerpoint/2010/main" val="3109754675"/>
+        <p14:creationId xmlns:p14="http://schemas.microsoft.com/office/powerpoint/2010/main" val="3503002757"/>
       </p:ext>
     </p:extLst>
   </p:cSld>
@@ -10295,6 +10033,76 @@
       </p:grpSpPr>
       <p:sp>
         <p:nvSpPr>
+          <p:cNvPr id="2" name="標題 1"/>
+          <p:cNvSpPr>
+            <a:spLocks noGrp="1"/>
+          </p:cNvSpPr>
+          <p:nvPr>
+            <p:ph type="title"/>
+          </p:nvPr>
+        </p:nvSpPr>
+        <p:spPr>
+          <a:xfrm>
+            <a:off x="3791907" y="1312595"/>
+            <a:ext cx="6066238" cy="2508291"/>
+          </a:xfrm>
+        </p:spPr>
+        <p:txBody>
+          <a:bodyPr>
+            <a:normAutofit/>
+          </a:bodyPr>
+          <a:lstStyle/>
+          <a:p>
+            <a:pPr algn="ctr"/>
+            <a:r>
+              <a:rPr lang="en-US" altLang="zh-TW" sz="4800" b="1" dirty="0">
+                <a:solidFill>
+                  <a:schemeClr val="accent1"/>
+                </a:solidFill>
+              </a:rPr>
+              <a:t>Method</a:t>
+            </a:r>
+          </a:p>
+        </p:txBody>
+      </p:sp>
+      <p:sp>
+        <p:nvSpPr>
+          <p:cNvPr id="3" name="內容版面配置區 2"/>
+          <p:cNvSpPr>
+            <a:spLocks noGrp="1"/>
+          </p:cNvSpPr>
+          <p:nvPr>
+            <p:ph idx="1"/>
+          </p:nvPr>
+        </p:nvSpPr>
+        <p:spPr>
+          <a:xfrm>
+            <a:off x="5698052" y="3400425"/>
+            <a:ext cx="2882611" cy="840921"/>
+          </a:xfrm>
+        </p:spPr>
+        <p:txBody>
+          <a:bodyPr>
+            <a:normAutofit fontScale="92500"/>
+          </a:bodyPr>
+          <a:lstStyle/>
+          <a:p>
+            <a:r>
+              <a:rPr lang="en-US" altLang="zh-TW" dirty="0"/>
+              <a:t>Evaluated Methods</a:t>
+            </a:r>
+          </a:p>
+          <a:p>
+            <a:r>
+              <a:rPr lang="en-US" altLang="zh-TW" dirty="0"/>
+              <a:t>Experiments and Results</a:t>
+            </a:r>
+            <a:endParaRPr lang="en-US" dirty="0"/>
+          </a:p>
+        </p:txBody>
+      </p:sp>
+      <p:sp>
+        <p:nvSpPr>
           <p:cNvPr id="4" name="日期版面配置區 3"/>
           <p:cNvSpPr>
             <a:spLocks noGrp="1"/>
@@ -10310,7 +10118,7 @@
           <a:p>
             <a:fld id="{EE38EB9C-E11B-4D56-B4D4-511B0D7DCE02}" type="datetime1">
               <a:rPr lang="zh-TW" altLang="en-US" smtClean="0"/>
-              <a:t>2019/10/17</a:t>
+              <a:t>2019/10/18</a:t>
             </a:fld>
             <a:endParaRPr lang="zh-TW" altLang="en-US"/>
           </a:p>
@@ -10362,412 +10170,10 @@
           </a:p>
         </p:txBody>
       </p:sp>
-      <p:sp>
-        <p:nvSpPr>
-          <p:cNvPr id="8" name="內容版面配置區 7"/>
-          <p:cNvSpPr>
-            <a:spLocks noGrp="1"/>
-          </p:cNvSpPr>
-          <p:nvPr>
-            <p:ph idx="1"/>
-          </p:nvPr>
-        </p:nvSpPr>
-        <p:spPr>
-          <a:xfrm>
-            <a:off x="3869268" y="2759528"/>
-            <a:ext cx="7315200" cy="3420836"/>
-          </a:xfrm>
-        </p:spPr>
-        <p:txBody>
-          <a:bodyPr/>
-          <a:lstStyle/>
-          <a:p>
-            <a:r>
-              <a:rPr lang="en-US" dirty="0"/>
-              <a:t> Some sentences could not be </a:t>
-            </a:r>
-            <a:r>
-              <a:rPr lang="en-US" dirty="0" smtClean="0"/>
-              <a:t>translated</a:t>
-            </a:r>
-            <a:r>
-              <a:rPr lang="en-US" dirty="0"/>
-              <a:t>. Table 2 shows the ﬁnal counts translated to each language</a:t>
-            </a:r>
-            <a:r>
-              <a:rPr lang="en-US" dirty="0" smtClean="0"/>
-              <a:t>.</a:t>
-            </a:r>
-          </a:p>
-          <a:p>
-            <a:pPr lvl="1"/>
-            <a:r>
-              <a:rPr lang="en-US" dirty="0"/>
-              <a:t>Incompleteness, </a:t>
-            </a:r>
-            <a:r>
-              <a:rPr lang="en-US" dirty="0" smtClean="0"/>
-              <a:t>ambiguities</a:t>
-            </a:r>
-          </a:p>
-          <a:p>
-            <a:pPr lvl="1"/>
-            <a:r>
-              <a:rPr lang="en-US" dirty="0" smtClean="0"/>
-              <a:t>likely </a:t>
-            </a:r>
-            <a:r>
-              <a:rPr lang="en-US" dirty="0"/>
-              <a:t>from the </a:t>
-            </a:r>
-            <a:r>
-              <a:rPr lang="en-US" dirty="0" smtClean="0"/>
-              <a:t>Adversarial </a:t>
-            </a:r>
-            <a:r>
-              <a:rPr lang="en-US" dirty="0"/>
-              <a:t>generation process when creating PAWS</a:t>
-            </a:r>
-            <a:endParaRPr lang="en-US" dirty="0" smtClean="0"/>
-          </a:p>
-          <a:p>
-            <a:pPr lvl="1"/>
-            <a:r>
-              <a:rPr lang="en-US" dirty="0" smtClean="0"/>
-              <a:t>&lt; 2%</a:t>
-            </a:r>
-            <a:endParaRPr lang="en-US" dirty="0"/>
-          </a:p>
-          <a:p>
-            <a:r>
-              <a:rPr lang="en-US" dirty="0" smtClean="0"/>
-              <a:t>Original </a:t>
-            </a:r>
-            <a:r>
-              <a:rPr lang="en-US" dirty="0"/>
-              <a:t>PAWS labels (paraphrase or not paraphrase) are mapped to the translations. Positive pairs account for 44.0% of development sets and 45.4% of test respectively–close to the PAWS label distribution. </a:t>
-            </a:r>
-            <a:endParaRPr lang="en-US" dirty="0" smtClean="0"/>
-          </a:p>
-          <a:p>
-            <a:r>
-              <a:rPr lang="en-US" dirty="0" smtClean="0"/>
-              <a:t>Entity mention problem</a:t>
-            </a:r>
-          </a:p>
-          <a:p>
-            <a:endParaRPr lang="en-US" dirty="0"/>
-          </a:p>
-        </p:txBody>
-      </p:sp>
-      <p:pic>
-        <p:nvPicPr>
-          <p:cNvPr id="9" name="圖片 8"/>
-          <p:cNvPicPr>
-            <a:picLocks noChangeAspect="1"/>
-          </p:cNvPicPr>
-          <p:nvPr/>
-        </p:nvPicPr>
-        <p:blipFill>
-          <a:blip r:embed="rId2">
-            <a:extLst>
-              <a:ext uri="{28A0092B-C50C-407E-A947-70E740481C1C}">
-                <a14:useLocalDpi xmlns:a14="http://schemas.microsoft.com/office/drawing/2010/main" val="0"/>
-              </a:ext>
-            </a:extLst>
-          </a:blip>
-          <a:stretch>
-            <a:fillRect/>
-          </a:stretch>
-        </p:blipFill>
-        <p:spPr>
-          <a:xfrm>
-            <a:off x="4647806" y="1123837"/>
-            <a:ext cx="5639587" cy="1400370"/>
-          </a:xfrm>
-          <a:prstGeom prst="rect">
-            <a:avLst/>
-          </a:prstGeom>
-        </p:spPr>
-      </p:pic>
-      <p:sp>
-        <p:nvSpPr>
-          <p:cNvPr id="11" name="Title 1">
-            <a:extLst>
-              <a:ext uri="{FF2B5EF4-FFF2-40B4-BE49-F238E27FC236}">
-                <a16:creationId xmlns:a16="http://schemas.microsoft.com/office/drawing/2014/main" id="{931468BC-776D-4FEC-8530-2EF244BDEE17}"/>
-              </a:ext>
-            </a:extLst>
-          </p:cNvPr>
-          <p:cNvSpPr>
-            <a:spLocks noGrp="1"/>
-          </p:cNvSpPr>
-          <p:nvPr>
-            <p:ph type="title"/>
-          </p:nvPr>
-        </p:nvSpPr>
-        <p:spPr>
-          <a:xfrm>
-            <a:off x="252919" y="1123837"/>
-            <a:ext cx="2947482" cy="4601183"/>
-          </a:xfrm>
-        </p:spPr>
-        <p:txBody>
-          <a:bodyPr>
-            <a:normAutofit/>
-          </a:bodyPr>
-          <a:lstStyle/>
-          <a:p>
-            <a:r>
-              <a:rPr lang="en-US" altLang="zh-TW" sz="2800" dirty="0"/>
-              <a:t>Introduction</a:t>
-            </a:r>
-            <a:r>
-              <a:rPr lang="en-US" altLang="zh-TW" sz="2400" dirty="0"/>
-              <a:t/>
-            </a:r>
-            <a:br>
-              <a:rPr lang="en-US" altLang="zh-TW" sz="2400" dirty="0"/>
-            </a:br>
-            <a:r>
-              <a:rPr lang="en-US" altLang="zh-TW" sz="2000" dirty="0" smtClean="0">
-                <a:solidFill>
-                  <a:schemeClr val="accent1">
-                    <a:lumMod val="75000"/>
-                  </a:schemeClr>
-                </a:solidFill>
-              </a:rPr>
-              <a:t>- Why </a:t>
-            </a:r>
-            <a:r>
-              <a:rPr lang="en-US" altLang="zh-TW" sz="2000" dirty="0">
-                <a:solidFill>
-                  <a:schemeClr val="accent1">
-                    <a:lumMod val="75000"/>
-                  </a:schemeClr>
-                </a:solidFill>
-              </a:rPr>
-              <a:t>PAWS-X ?</a:t>
-            </a:r>
-            <a:r>
-              <a:rPr lang="en-US" altLang="zh-TW" sz="2000" dirty="0"/>
-              <a:t/>
-            </a:r>
-            <a:br>
-              <a:rPr lang="en-US" altLang="zh-TW" sz="2000" dirty="0"/>
-            </a:br>
-            <a:r>
-              <a:rPr lang="en-US" altLang="zh-TW" sz="2000" dirty="0" smtClean="0">
-                <a:solidFill>
-                  <a:schemeClr val="bg1"/>
-                </a:solidFill>
-              </a:rPr>
-              <a:t>- What </a:t>
-            </a:r>
-            <a:r>
-              <a:rPr lang="en-US" altLang="zh-TW" sz="2000" dirty="0">
-                <a:solidFill>
-                  <a:schemeClr val="bg1"/>
-                </a:solidFill>
-              </a:rPr>
-              <a:t>is PAWS-X</a:t>
-            </a:r>
-            <a:r>
-              <a:rPr lang="en-US" altLang="zh-TW" sz="2000" dirty="0" smtClean="0">
-                <a:solidFill>
-                  <a:schemeClr val="bg1"/>
-                </a:solidFill>
-              </a:rPr>
-              <a:t>?</a:t>
-            </a:r>
-            <a:r>
-              <a:rPr lang="en-US" altLang="zh-TW" sz="2400" dirty="0" smtClean="0">
-                <a:solidFill>
-                  <a:schemeClr val="accent1">
-                    <a:lumMod val="75000"/>
-                  </a:schemeClr>
-                </a:solidFill>
-              </a:rPr>
-              <a:t/>
-            </a:r>
-            <a:br>
-              <a:rPr lang="en-US" altLang="zh-TW" sz="2400" dirty="0" smtClean="0">
-                <a:solidFill>
-                  <a:schemeClr val="accent1">
-                    <a:lumMod val="75000"/>
-                  </a:schemeClr>
-                </a:solidFill>
-              </a:rPr>
-            </a:br>
-            <a:r>
-              <a:rPr lang="en-US" altLang="zh-TW" sz="2400" dirty="0">
-                <a:solidFill>
-                  <a:schemeClr val="accent1">
-                    <a:lumMod val="75000"/>
-                  </a:schemeClr>
-                </a:solidFill>
-              </a:rPr>
-              <a:t/>
-            </a:r>
-            <a:br>
-              <a:rPr lang="en-US" altLang="zh-TW" sz="2400" dirty="0">
-                <a:solidFill>
-                  <a:schemeClr val="accent1">
-                    <a:lumMod val="75000"/>
-                  </a:schemeClr>
-                </a:solidFill>
-              </a:rPr>
-            </a:br>
-            <a:r>
-              <a:rPr lang="en-US" altLang="zh-TW" sz="2800" dirty="0">
-                <a:solidFill>
-                  <a:schemeClr val="accent1">
-                    <a:lumMod val="75000"/>
-                  </a:schemeClr>
-                </a:solidFill>
-              </a:rPr>
-              <a:t>Method</a:t>
-            </a:r>
-            <a:r>
-              <a:rPr lang="en-US" altLang="zh-TW" sz="2400" dirty="0">
-                <a:solidFill>
-                  <a:schemeClr val="accent1">
-                    <a:lumMod val="75000"/>
-                  </a:schemeClr>
-                </a:solidFill>
-              </a:rPr>
-              <a:t/>
-            </a:r>
-            <a:br>
-              <a:rPr lang="en-US" altLang="zh-TW" sz="2400" dirty="0">
-                <a:solidFill>
-                  <a:schemeClr val="accent1">
-                    <a:lumMod val="75000"/>
-                  </a:schemeClr>
-                </a:solidFill>
-              </a:rPr>
-            </a:br>
-            <a:r>
-              <a:rPr lang="en-US" altLang="zh-TW" sz="2000" dirty="0" smtClean="0">
-                <a:solidFill>
-                  <a:schemeClr val="accent1">
-                    <a:lumMod val="75000"/>
-                  </a:schemeClr>
-                </a:solidFill>
-              </a:rPr>
-              <a:t>- Evaluated </a:t>
-            </a:r>
-            <a:r>
-              <a:rPr lang="en-US" altLang="zh-TW" sz="2000" dirty="0">
-                <a:solidFill>
-                  <a:schemeClr val="accent1">
-                    <a:lumMod val="75000"/>
-                  </a:schemeClr>
-                </a:solidFill>
-              </a:rPr>
-              <a:t>Methods</a:t>
-            </a:r>
-            <a:br>
-              <a:rPr lang="en-US" altLang="zh-TW" sz="2000" dirty="0">
-                <a:solidFill>
-                  <a:schemeClr val="accent1">
-                    <a:lumMod val="75000"/>
-                  </a:schemeClr>
-                </a:solidFill>
-              </a:rPr>
-            </a:br>
-            <a:r>
-              <a:rPr lang="en-US" altLang="zh-TW" sz="2000" dirty="0" smtClean="0">
-                <a:solidFill>
-                  <a:schemeClr val="accent1">
-                    <a:lumMod val="75000"/>
-                  </a:schemeClr>
-                </a:solidFill>
-              </a:rPr>
-              <a:t>- Experiments </a:t>
-            </a:r>
-            <a:r>
-              <a:rPr lang="en-US" altLang="zh-TW" sz="2000" dirty="0">
-                <a:solidFill>
-                  <a:schemeClr val="accent1">
-                    <a:lumMod val="75000"/>
-                  </a:schemeClr>
-                </a:solidFill>
-              </a:rPr>
-              <a:t>and </a:t>
-            </a:r>
-            <a:r>
-              <a:rPr lang="en-US" altLang="zh-TW" sz="2000" dirty="0" smtClean="0">
-                <a:solidFill>
-                  <a:schemeClr val="accent1">
-                    <a:lumMod val="75000"/>
-                  </a:schemeClr>
-                </a:solidFill>
-              </a:rPr>
-              <a:t>Results</a:t>
-            </a:r>
-            <a:r>
-              <a:rPr lang="en-US" altLang="zh-TW" sz="2400" dirty="0" smtClean="0">
-                <a:solidFill>
-                  <a:schemeClr val="accent1">
-                    <a:lumMod val="75000"/>
-                  </a:schemeClr>
-                </a:solidFill>
-              </a:rPr>
-              <a:t/>
-            </a:r>
-            <a:br>
-              <a:rPr lang="en-US" altLang="zh-TW" sz="2400" dirty="0" smtClean="0">
-                <a:solidFill>
-                  <a:schemeClr val="accent1">
-                    <a:lumMod val="75000"/>
-                  </a:schemeClr>
-                </a:solidFill>
-              </a:rPr>
-            </a:br>
-            <a:r>
-              <a:rPr lang="en-US" altLang="zh-TW" sz="2400" dirty="0">
-                <a:solidFill>
-                  <a:schemeClr val="accent1">
-                    <a:lumMod val="75000"/>
-                  </a:schemeClr>
-                </a:solidFill>
-              </a:rPr>
-              <a:t/>
-            </a:r>
-            <a:br>
-              <a:rPr lang="en-US" altLang="zh-TW" sz="2400" dirty="0">
-                <a:solidFill>
-                  <a:schemeClr val="accent1">
-                    <a:lumMod val="75000"/>
-                  </a:schemeClr>
-                </a:solidFill>
-              </a:rPr>
-            </a:br>
-            <a:r>
-              <a:rPr lang="en-US" altLang="zh-TW" sz="2800" dirty="0" smtClean="0">
-                <a:solidFill>
-                  <a:schemeClr val="accent1">
-                    <a:lumMod val="75000"/>
-                  </a:schemeClr>
-                </a:solidFill>
-              </a:rPr>
-              <a:t>Conclusion</a:t>
-            </a:r>
-            <a:endParaRPr lang="en-US" altLang="zh-TW" sz="2400" dirty="0">
-              <a:solidFill>
-                <a:schemeClr val="accent1">
-                  <a:lumMod val="75000"/>
-                </a:schemeClr>
-              </a:solidFill>
-            </a:endParaRPr>
-          </a:p>
-        </p:txBody>
-      </p:sp>
     </p:spTree>
     <p:extLst>
       <p:ext uri="{BB962C8B-B14F-4D97-AF65-F5344CB8AC3E}">
-        <p14:creationId xmlns:p14="http://schemas.microsoft.com/office/powerpoint/2010/main" val="3503002757"/>
+        <p14:creationId xmlns:p14="http://schemas.microsoft.com/office/powerpoint/2010/main" val="930930593"/>
       </p:ext>
     </p:extLst>
   </p:cSld>
@@ -10803,182 +10209,6 @@
       </p:grpSpPr>
       <p:sp>
         <p:nvSpPr>
-          <p:cNvPr id="2" name="標題 1"/>
-          <p:cNvSpPr>
-            <a:spLocks noGrp="1"/>
-          </p:cNvSpPr>
-          <p:nvPr>
-            <p:ph type="title"/>
-          </p:nvPr>
-        </p:nvSpPr>
-        <p:spPr>
-          <a:xfrm>
-            <a:off x="3791907" y="1312595"/>
-            <a:ext cx="6066238" cy="2508291"/>
-          </a:xfrm>
-        </p:spPr>
-        <p:txBody>
-          <a:bodyPr>
-            <a:normAutofit/>
-          </a:bodyPr>
-          <a:lstStyle/>
-          <a:p>
-            <a:pPr algn="ctr"/>
-            <a:r>
-              <a:rPr lang="en-US" altLang="zh-TW" sz="4800" b="1" dirty="0">
-                <a:solidFill>
-                  <a:schemeClr val="accent1"/>
-                </a:solidFill>
-              </a:rPr>
-              <a:t>Method</a:t>
-            </a:r>
-          </a:p>
-        </p:txBody>
-      </p:sp>
-      <p:sp>
-        <p:nvSpPr>
-          <p:cNvPr id="3" name="內容版面配置區 2"/>
-          <p:cNvSpPr>
-            <a:spLocks noGrp="1"/>
-          </p:cNvSpPr>
-          <p:nvPr>
-            <p:ph idx="1"/>
-          </p:nvPr>
-        </p:nvSpPr>
-        <p:spPr>
-          <a:xfrm>
-            <a:off x="5698052" y="3400425"/>
-            <a:ext cx="2882611" cy="840921"/>
-          </a:xfrm>
-        </p:spPr>
-        <p:txBody>
-          <a:bodyPr>
-            <a:normAutofit fontScale="92500"/>
-          </a:bodyPr>
-          <a:lstStyle/>
-          <a:p>
-            <a:r>
-              <a:rPr lang="en-US" altLang="zh-TW" dirty="0"/>
-              <a:t>Evaluated Methods</a:t>
-            </a:r>
-          </a:p>
-          <a:p>
-            <a:r>
-              <a:rPr lang="en-US" altLang="zh-TW" dirty="0"/>
-              <a:t>Experiments and Results</a:t>
-            </a:r>
-            <a:endParaRPr lang="en-US" dirty="0"/>
-          </a:p>
-        </p:txBody>
-      </p:sp>
-      <p:sp>
-        <p:nvSpPr>
-          <p:cNvPr id="4" name="日期版面配置區 3"/>
-          <p:cNvSpPr>
-            <a:spLocks noGrp="1"/>
-          </p:cNvSpPr>
-          <p:nvPr>
-            <p:ph type="dt" sz="half" idx="10"/>
-          </p:nvPr>
-        </p:nvSpPr>
-        <p:spPr/>
-        <p:txBody>
-          <a:bodyPr/>
-          <a:lstStyle/>
-          <a:p>
-            <a:fld id="{EE38EB9C-E11B-4D56-B4D4-511B0D7DCE02}" type="datetime1">
-              <a:rPr lang="zh-TW" altLang="en-US" smtClean="0"/>
-              <a:t>2019/10/17</a:t>
-            </a:fld>
-            <a:endParaRPr lang="zh-TW" altLang="en-US"/>
-          </a:p>
-        </p:txBody>
-      </p:sp>
-      <p:sp>
-        <p:nvSpPr>
-          <p:cNvPr id="5" name="頁尾版面配置區 4"/>
-          <p:cNvSpPr>
-            <a:spLocks noGrp="1"/>
-          </p:cNvSpPr>
-          <p:nvPr>
-            <p:ph type="ftr" sz="quarter" idx="11"/>
-          </p:nvPr>
-        </p:nvSpPr>
-        <p:spPr/>
-        <p:txBody>
-          <a:bodyPr/>
-          <a:lstStyle/>
-          <a:p>
-            <a:r>
-              <a:rPr lang="en-US" altLang="zh-TW" smtClean="0"/>
-              <a:t>Weber Huang, TMU NLP Lab</a:t>
-            </a:r>
-            <a:endParaRPr lang="zh-TW" altLang="en-US"/>
-          </a:p>
-        </p:txBody>
-      </p:sp>
-      <p:sp>
-        <p:nvSpPr>
-          <p:cNvPr id="6" name="投影片編號版面配置區 5"/>
-          <p:cNvSpPr>
-            <a:spLocks noGrp="1"/>
-          </p:cNvSpPr>
-          <p:nvPr>
-            <p:ph type="sldNum" sz="quarter" idx="12"/>
-          </p:nvPr>
-        </p:nvSpPr>
-        <p:spPr/>
-        <p:txBody>
-          <a:bodyPr/>
-          <a:lstStyle/>
-          <a:p>
-            <a:fld id="{AABF7C73-049C-4C12-AAE6-7736D80C8E91}" type="slidenum">
-              <a:rPr lang="zh-TW" altLang="en-US" smtClean="0"/>
-              <a:t>12</a:t>
-            </a:fld>
-            <a:endParaRPr lang="zh-TW" altLang="en-US"/>
-          </a:p>
-        </p:txBody>
-      </p:sp>
-    </p:spTree>
-    <p:extLst>
-      <p:ext uri="{BB962C8B-B14F-4D97-AF65-F5344CB8AC3E}">
-        <p14:creationId xmlns:p14="http://schemas.microsoft.com/office/powerpoint/2010/main" val="930930593"/>
-      </p:ext>
-    </p:extLst>
-  </p:cSld>
-  <p:clrMapOvr>
-    <a:masterClrMapping/>
-  </p:clrMapOvr>
-  <p:timing>
-    <p:tnLst>
-      <p:par>
-        <p:cTn id="1" dur="indefinite" restart="never" nodeType="tmRoot"/>
-      </p:par>
-    </p:tnLst>
-  </p:timing>
-</p:sld>
-</file>
-
-<file path=ppt/slides/slide13.xml><?xml version="1.0" encoding="utf-8"?>
-<p:sld xmlns:a="http://schemas.openxmlformats.org/drawingml/2006/main" xmlns:r="http://schemas.openxmlformats.org/officeDocument/2006/relationships" xmlns:p="http://schemas.openxmlformats.org/presentationml/2006/main">
-  <p:cSld>
-    <p:spTree>
-      <p:nvGrpSpPr>
-        <p:cNvPr id="1" name=""/>
-        <p:cNvGrpSpPr/>
-        <p:nvPr/>
-      </p:nvGrpSpPr>
-      <p:grpSpPr>
-        <a:xfrm>
-          <a:off x="0" y="0"/>
-          <a:ext cx="0" cy="0"/>
-          <a:chOff x="0" y="0"/>
-          <a:chExt cx="0" cy="0"/>
-        </a:xfrm>
-      </p:grpSpPr>
-      <p:sp>
-        <p:nvSpPr>
           <p:cNvPr id="3" name="Content Placeholder 2">
             <a:extLst>
               <a:ext uri="{FF2B5EF4-FFF2-40B4-BE49-F238E27FC236}">
@@ -11056,7 +10286,7 @@
           <a:p>
             <a:fld id="{5A3E85AD-58F6-47A4-A5B1-751154028AC5}" type="datetime1">
               <a:rPr lang="zh-TW" altLang="en-US" smtClean="0"/>
-              <a:t>2019/10/17</a:t>
+              <a:t>2019/10/18</a:t>
             </a:fld>
             <a:endParaRPr lang="zh-TW" altLang="en-US"/>
           </a:p>
@@ -11114,7 +10344,7 @@
           <a:p>
             <a:fld id="{AABF7C73-049C-4C12-AAE6-7736D80C8E91}" type="slidenum">
               <a:rPr lang="zh-TW" altLang="en-US" smtClean="0"/>
-              <a:t>13</a:t>
+              <a:t>12</a:t>
             </a:fld>
             <a:endParaRPr lang="zh-TW" altLang="en-US"/>
           </a:p>
@@ -11462,7 +10692,7 @@
 </p:sld>
 </file>
 
-<file path=ppt/slides/slide14.xml><?xml version="1.0" encoding="utf-8"?>
+<file path=ppt/slides/slide13.xml><?xml version="1.0" encoding="utf-8"?>
 <p:sld xmlns:a="http://schemas.openxmlformats.org/drawingml/2006/main" xmlns:r="http://schemas.openxmlformats.org/officeDocument/2006/relationships" xmlns:p="http://schemas.openxmlformats.org/presentationml/2006/main">
   <p:cSld>
     <p:spTree>
@@ -11524,7 +10754,7 @@
           <a:p>
             <a:fld id="{15528608-B22A-4C0D-84E4-FE05B19A9D68}" type="datetime1">
               <a:rPr lang="zh-TW" altLang="en-US" smtClean="0"/>
-              <a:t>2019/10/17</a:t>
+              <a:t>2019/10/18</a:t>
             </a:fld>
             <a:endParaRPr lang="zh-TW" altLang="en-US"/>
           </a:p>
@@ -11582,7 +10812,7 @@
           <a:p>
             <a:fld id="{AABF7C73-049C-4C12-AAE6-7736D80C8E91}" type="slidenum">
               <a:rPr lang="zh-TW" altLang="en-US" smtClean="0"/>
-              <a:t>14</a:t>
+              <a:t>13</a:t>
             </a:fld>
             <a:endParaRPr lang="zh-TW" altLang="en-US"/>
           </a:p>
@@ -12081,7 +11311,7 @@
 </p:sld>
 </file>
 
-<file path=ppt/slides/slide15.xml><?xml version="1.0" encoding="utf-8"?>
+<file path=ppt/slides/slide14.xml><?xml version="1.0" encoding="utf-8"?>
 <p:sld xmlns:a="http://schemas.openxmlformats.org/drawingml/2006/main" xmlns:r="http://schemas.openxmlformats.org/officeDocument/2006/relationships" xmlns:p="http://schemas.openxmlformats.org/presentationml/2006/main">
   <p:cSld>
     <p:spTree>
@@ -12245,7 +11475,7 @@
           <a:p>
             <a:fld id="{EE38EB9C-E11B-4D56-B4D4-511B0D7DCE02}" type="datetime1">
               <a:rPr lang="zh-TW" altLang="en-US" smtClean="0"/>
-              <a:t>2019/10/17</a:t>
+              <a:t>2019/10/18</a:t>
             </a:fld>
             <a:endParaRPr lang="zh-TW" altLang="en-US"/>
           </a:p>
@@ -12291,7 +11521,7 @@
           <a:p>
             <a:fld id="{AABF7C73-049C-4C12-AAE6-7736D80C8E91}" type="slidenum">
               <a:rPr lang="zh-TW" altLang="en-US" smtClean="0"/>
-              <a:t>15</a:t>
+              <a:t>14</a:t>
             </a:fld>
             <a:endParaRPr lang="zh-TW" altLang="en-US"/>
           </a:p>
@@ -12612,7 +11842,7 @@
 </p:sld>
 </file>
 
-<file path=ppt/slides/slide16.xml><?xml version="1.0" encoding="utf-8"?>
+<file path=ppt/slides/slide15.xml><?xml version="1.0" encoding="utf-8"?>
 <p:sld xmlns:a="http://schemas.openxmlformats.org/drawingml/2006/main" xmlns:r="http://schemas.openxmlformats.org/officeDocument/2006/relationships" xmlns:p="http://schemas.openxmlformats.org/presentationml/2006/main">
   <p:cSld>
     <p:spTree>
@@ -12779,7 +12009,7 @@
           <a:p>
             <a:fld id="{EE38EB9C-E11B-4D56-B4D4-511B0D7DCE02}" type="datetime1">
               <a:rPr lang="zh-TW" altLang="en-US" smtClean="0"/>
-              <a:t>2019/10/17</a:t>
+              <a:t>2019/10/18</a:t>
             </a:fld>
             <a:endParaRPr lang="zh-TW" altLang="en-US"/>
           </a:p>
@@ -12825,7 +12055,7 @@
           <a:p>
             <a:fld id="{AABF7C73-049C-4C12-AAE6-7736D80C8E91}" type="slidenum">
               <a:rPr lang="zh-TW" altLang="en-US" smtClean="0"/>
-              <a:t>16</a:t>
+              <a:t>15</a:t>
             </a:fld>
             <a:endParaRPr lang="zh-TW" altLang="en-US"/>
           </a:p>
@@ -13134,7 +12364,7 @@
 </p:sld>
 </file>
 
-<file path=ppt/slides/slide17.xml><?xml version="1.0" encoding="utf-8"?>
+<file path=ppt/slides/slide16.xml><?xml version="1.0" encoding="utf-8"?>
 <p:sld xmlns:a="http://schemas.openxmlformats.org/drawingml/2006/main" xmlns:r="http://schemas.openxmlformats.org/officeDocument/2006/relationships" xmlns:p="http://schemas.openxmlformats.org/presentationml/2006/main">
   <p:cSld>
     <p:spTree>
@@ -13197,7 +12427,7 @@
           <a:p>
             <a:fld id="{EE38EB9C-E11B-4D56-B4D4-511B0D7DCE02}" type="datetime1">
               <a:rPr lang="zh-TW" altLang="en-US" smtClean="0"/>
-              <a:t>2019/10/17</a:t>
+              <a:t>2019/10/18</a:t>
             </a:fld>
             <a:endParaRPr lang="zh-TW" altLang="en-US"/>
           </a:p>
@@ -13243,7 +12473,7 @@
           <a:p>
             <a:fld id="{AABF7C73-049C-4C12-AAE6-7736D80C8E91}" type="slidenum">
               <a:rPr lang="zh-TW" altLang="en-US" smtClean="0"/>
-              <a:t>17</a:t>
+              <a:t>16</a:t>
             </a:fld>
             <a:endParaRPr lang="zh-TW" altLang="en-US"/>
           </a:p>
@@ -13570,8 +12800,8 @@
         </p:nvSpPr>
         <p:spPr>
           <a:xfrm>
-            <a:off x="7633003" y="4879022"/>
-            <a:ext cx="4115403" cy="1477328"/>
+            <a:off x="7649332" y="3557634"/>
+            <a:ext cx="4115403" cy="1200329"/>
           </a:xfrm>
           <a:prstGeom prst="rect">
             <a:avLst/>
@@ -13662,67 +12892,180 @@
             </a:r>
           </a:p>
           <a:p>
-            <a:pPr marL="285750" indent="-285750">
-              <a:buFont typeface="Arial" panose="020B0604020202020204" pitchFamily="34" charset="0"/>
-              <a:buChar char="•"/>
-            </a:pPr>
-            <a:r>
-              <a:rPr lang="en-US" dirty="0">
-                <a:solidFill>
-                  <a:schemeClr val="accent1">
-                    <a:lumMod val="75000"/>
-                  </a:schemeClr>
-                </a:solidFill>
-              </a:rPr>
-              <a:t>Error Analysis</a:t>
-            </a:r>
-            <a:endParaRPr lang="en-US" dirty="0" smtClean="0">
-              <a:solidFill>
-                <a:schemeClr val="accent1">
-                  <a:lumMod val="75000"/>
-                </a:schemeClr>
-              </a:solidFill>
-            </a:endParaRPr>
-          </a:p>
-          <a:p>
             <a:endParaRPr lang="en-US" dirty="0"/>
           </a:p>
         </p:txBody>
       </p:sp>
-      <p:pic>
-        <p:nvPicPr>
-          <p:cNvPr id="10" name="圖片 9"/>
-          <p:cNvPicPr>
-            <a:picLocks noChangeAspect="1"/>
-          </p:cNvPicPr>
-          <p:nvPr/>
-        </p:nvPicPr>
-        <p:blipFill>
-          <a:blip r:embed="rId4">
-            <a:extLst>
-              <a:ext uri="{28A0092B-C50C-407E-A947-70E740481C1C}">
-                <a14:useLocalDpi xmlns:a14="http://schemas.microsoft.com/office/drawing/2010/main" val="0"/>
-              </a:ext>
-            </a:extLst>
-          </a:blip>
-          <a:stretch>
-            <a:fillRect/>
-          </a:stretch>
-        </p:blipFill>
-        <p:spPr>
-          <a:xfrm>
-            <a:off x="7704594" y="3471822"/>
-            <a:ext cx="3449002" cy="1161555"/>
-          </a:xfrm>
-          <a:prstGeom prst="rect">
-            <a:avLst/>
-          </a:prstGeom>
-        </p:spPr>
-      </p:pic>
     </p:spTree>
     <p:extLst>
       <p:ext uri="{BB962C8B-B14F-4D97-AF65-F5344CB8AC3E}">
         <p14:creationId xmlns:p14="http://schemas.microsoft.com/office/powerpoint/2010/main" val="2505396392"/>
+      </p:ext>
+    </p:extLst>
+  </p:cSld>
+  <p:clrMapOvr>
+    <a:masterClrMapping/>
+  </p:clrMapOvr>
+  <p:timing>
+    <p:tnLst>
+      <p:par>
+        <p:cTn id="1" dur="indefinite" restart="never" nodeType="tmRoot"/>
+      </p:par>
+    </p:tnLst>
+  </p:timing>
+</p:sld>
+</file>
+
+<file path=ppt/slides/slide17.xml><?xml version="1.0" encoding="utf-8"?>
+<p:sld xmlns:a="http://schemas.openxmlformats.org/drawingml/2006/main" xmlns:r="http://schemas.openxmlformats.org/officeDocument/2006/relationships" xmlns:p="http://schemas.openxmlformats.org/presentationml/2006/main">
+  <p:cSld>
+    <p:spTree>
+      <p:nvGrpSpPr>
+        <p:cNvPr id="1" name=""/>
+        <p:cNvGrpSpPr/>
+        <p:nvPr/>
+      </p:nvGrpSpPr>
+      <p:grpSpPr>
+        <a:xfrm>
+          <a:off x="0" y="0"/>
+          <a:ext cx="0" cy="0"/>
+          <a:chOff x="0" y="0"/>
+          <a:chExt cx="0" cy="0"/>
+        </a:xfrm>
+      </p:grpSpPr>
+      <p:sp>
+        <p:nvSpPr>
+          <p:cNvPr id="2" name="標題 1"/>
+          <p:cNvSpPr>
+            <a:spLocks noGrp="1"/>
+          </p:cNvSpPr>
+          <p:nvPr>
+            <p:ph type="title"/>
+          </p:nvPr>
+        </p:nvSpPr>
+        <p:spPr>
+          <a:xfrm>
+            <a:off x="3791907" y="1312595"/>
+            <a:ext cx="6066238" cy="2508291"/>
+          </a:xfrm>
+        </p:spPr>
+        <p:txBody>
+          <a:bodyPr>
+            <a:normAutofit/>
+          </a:bodyPr>
+          <a:lstStyle/>
+          <a:p>
+            <a:pPr algn="ctr"/>
+            <a:r>
+              <a:rPr lang="en-US" altLang="zh-TW" sz="4800" b="1" dirty="0">
+                <a:solidFill>
+                  <a:schemeClr val="accent1"/>
+                </a:solidFill>
+              </a:rPr>
+              <a:t>Conclusion</a:t>
+            </a:r>
+          </a:p>
+        </p:txBody>
+      </p:sp>
+      <p:sp>
+        <p:nvSpPr>
+          <p:cNvPr id="3" name="內容版面配置區 2"/>
+          <p:cNvSpPr>
+            <a:spLocks noGrp="1"/>
+          </p:cNvSpPr>
+          <p:nvPr>
+            <p:ph idx="1"/>
+          </p:nvPr>
+        </p:nvSpPr>
+        <p:spPr>
+          <a:xfrm>
+            <a:off x="5698052" y="3400425"/>
+            <a:ext cx="2882611" cy="840921"/>
+          </a:xfrm>
+        </p:spPr>
+        <p:txBody>
+          <a:bodyPr>
+            <a:normAutofit/>
+          </a:bodyPr>
+          <a:lstStyle/>
+          <a:p>
+            <a:endParaRPr lang="en-US" dirty="0"/>
+          </a:p>
+        </p:txBody>
+      </p:sp>
+      <p:sp>
+        <p:nvSpPr>
+          <p:cNvPr id="4" name="日期版面配置區 3"/>
+          <p:cNvSpPr>
+            <a:spLocks noGrp="1"/>
+          </p:cNvSpPr>
+          <p:nvPr>
+            <p:ph type="dt" sz="half" idx="10"/>
+          </p:nvPr>
+        </p:nvSpPr>
+        <p:spPr/>
+        <p:txBody>
+          <a:bodyPr/>
+          <a:lstStyle/>
+          <a:p>
+            <a:fld id="{EE38EB9C-E11B-4D56-B4D4-511B0D7DCE02}" type="datetime1">
+              <a:rPr lang="zh-TW" altLang="en-US" smtClean="0"/>
+              <a:t>2019/10/18</a:t>
+            </a:fld>
+            <a:endParaRPr lang="zh-TW" altLang="en-US"/>
+          </a:p>
+        </p:txBody>
+      </p:sp>
+      <p:sp>
+        <p:nvSpPr>
+          <p:cNvPr id="5" name="頁尾版面配置區 4"/>
+          <p:cNvSpPr>
+            <a:spLocks noGrp="1"/>
+          </p:cNvSpPr>
+          <p:nvPr>
+            <p:ph type="ftr" sz="quarter" idx="11"/>
+          </p:nvPr>
+        </p:nvSpPr>
+        <p:spPr/>
+        <p:txBody>
+          <a:bodyPr/>
+          <a:lstStyle/>
+          <a:p>
+            <a:r>
+              <a:rPr lang="en-US" altLang="zh-TW" smtClean="0"/>
+              <a:t>Weber Huang, TMU NLP Lab</a:t>
+            </a:r>
+            <a:endParaRPr lang="zh-TW" altLang="en-US"/>
+          </a:p>
+        </p:txBody>
+      </p:sp>
+      <p:sp>
+        <p:nvSpPr>
+          <p:cNvPr id="6" name="投影片編號版面配置區 5"/>
+          <p:cNvSpPr>
+            <a:spLocks noGrp="1"/>
+          </p:cNvSpPr>
+          <p:nvPr>
+            <p:ph type="sldNum" sz="quarter" idx="12"/>
+          </p:nvPr>
+        </p:nvSpPr>
+        <p:spPr/>
+        <p:txBody>
+          <a:bodyPr/>
+          <a:lstStyle/>
+          <a:p>
+            <a:fld id="{AABF7C73-049C-4C12-AAE6-7736D80C8E91}" type="slidenum">
+              <a:rPr lang="zh-TW" altLang="en-US" smtClean="0"/>
+              <a:t>17</a:t>
+            </a:fld>
+            <a:endParaRPr lang="zh-TW" altLang="en-US"/>
+          </a:p>
+        </p:txBody>
+      </p:sp>
+    </p:spTree>
+    <p:extLst>
+      <p:ext uri="{BB962C8B-B14F-4D97-AF65-F5344CB8AC3E}">
+        <p14:creationId xmlns:p14="http://schemas.microsoft.com/office/powerpoint/2010/main" val="1702648402"/>
       </p:ext>
     </p:extLst>
   </p:cSld>
@@ -13758,40 +13101,6 @@
       </p:grpSpPr>
       <p:sp>
         <p:nvSpPr>
-          <p:cNvPr id="2" name="標題 1"/>
-          <p:cNvSpPr>
-            <a:spLocks noGrp="1"/>
-          </p:cNvSpPr>
-          <p:nvPr>
-            <p:ph type="title"/>
-          </p:nvPr>
-        </p:nvSpPr>
-        <p:spPr>
-          <a:xfrm>
-            <a:off x="3791907" y="1312595"/>
-            <a:ext cx="6066238" cy="2508291"/>
-          </a:xfrm>
-        </p:spPr>
-        <p:txBody>
-          <a:bodyPr>
-            <a:normAutofit/>
-          </a:bodyPr>
-          <a:lstStyle/>
-          <a:p>
-            <a:pPr algn="ctr"/>
-            <a:r>
-              <a:rPr lang="en-US" altLang="zh-TW" sz="4800" b="1" dirty="0">
-                <a:solidFill>
-                  <a:schemeClr val="accent1"/>
-                </a:solidFill>
-              </a:rPr>
-              <a:t>Conclusion</a:t>
-            </a:r>
-          </a:p>
-        </p:txBody>
-      </p:sp>
-      <p:sp>
-        <p:nvSpPr>
           <p:cNvPr id="3" name="內容版面配置區 2"/>
           <p:cNvSpPr>
             <a:spLocks noGrp="1"/>
@@ -13800,17 +13109,76 @@
             <p:ph idx="1"/>
           </p:nvPr>
         </p:nvSpPr>
-        <p:spPr>
-          <a:xfrm>
-            <a:off x="5698052" y="3400425"/>
-            <a:ext cx="2882611" cy="840921"/>
-          </a:xfrm>
-        </p:spPr>
+        <p:spPr/>
         <p:txBody>
-          <a:bodyPr>
-            <a:normAutofit/>
-          </a:bodyPr>
+          <a:bodyPr/>
           <a:lstStyle/>
+          <a:p>
+            <a:pPr marL="0" indent="0">
+              <a:buNone/>
+            </a:pPr>
+            <a:r>
+              <a:rPr lang="en-US" dirty="0" smtClean="0"/>
+              <a:t>Our </a:t>
+            </a:r>
+            <a:r>
+              <a:rPr lang="en-US" dirty="0"/>
+              <a:t>experimental results showed that PAWS-X effectively measures sensitivity of models to word order and the efﬁcacy of cross-lingual learning approaches</a:t>
+            </a:r>
+            <a:r>
+              <a:rPr lang="en-US" dirty="0" smtClean="0"/>
+              <a:t>.</a:t>
+            </a:r>
+          </a:p>
+          <a:p>
+            <a:pPr marL="0" indent="0">
+              <a:buNone/>
+            </a:pPr>
+            <a:r>
+              <a:rPr lang="en-US" dirty="0" smtClean="0"/>
+              <a:t>It </a:t>
+            </a:r>
+            <a:r>
+              <a:rPr lang="en-US" dirty="0"/>
+              <a:t>also leaves considerable headroom as a new challenging benchmark to drive multilingual research on the problem of paraphrase identiﬁcation</a:t>
+            </a:r>
+            <a:r>
+              <a:rPr lang="en-US" dirty="0" smtClean="0"/>
+              <a:t>.</a:t>
+            </a:r>
+          </a:p>
+          <a:p>
+            <a:pPr marL="0" indent="0">
+              <a:buNone/>
+            </a:pPr>
+            <a:endParaRPr lang="en-US" dirty="0"/>
+          </a:p>
+          <a:p>
+            <a:pPr marL="0" indent="0">
+              <a:buNone/>
+            </a:pPr>
+            <a:r>
+              <a:rPr lang="en-US" dirty="0"/>
+              <a:t>The PAWS-X dataset, including both the new human translated pairs and the machine translated examples, is available for download at </a:t>
+            </a:r>
+            <a:r>
+              <a:rPr lang="en-US" dirty="0" smtClean="0">
+                <a:hlinkClick r:id="rId2"/>
+              </a:rPr>
+              <a:t>https</a:t>
+            </a:r>
+            <a:r>
+              <a:rPr lang="en-US" dirty="0">
+                <a:hlinkClick r:id="rId2"/>
+              </a:rPr>
+              <a:t>://github.com/google-research-datasets/paws</a:t>
+            </a:r>
+            <a:r>
+              <a:rPr lang="en-US" dirty="0" smtClean="0"/>
+              <a:t>. </a:t>
+            </a:r>
+            <a:endParaRPr lang="en-US" dirty="0"/>
+          </a:p>
           <a:p>
             <a:endParaRPr lang="en-US" dirty="0"/>
           </a:p>
@@ -13833,7 +13201,7 @@
           <a:p>
             <a:fld id="{EE38EB9C-E11B-4D56-B4D4-511B0D7DCE02}" type="datetime1">
               <a:rPr lang="zh-TW" altLang="en-US" smtClean="0"/>
-              <a:t>2019/10/17</a:t>
+              <a:t>2019/10/18</a:t>
             </a:fld>
             <a:endParaRPr lang="zh-TW" altLang="en-US"/>
           </a:p>
@@ -13885,10 +13253,301 @@
           </a:p>
         </p:txBody>
       </p:sp>
+      <p:sp>
+        <p:nvSpPr>
+          <p:cNvPr id="7" name="Title 1">
+            <a:extLst>
+              <a:ext uri="{FF2B5EF4-FFF2-40B4-BE49-F238E27FC236}">
+                <a16:creationId xmlns:a16="http://schemas.microsoft.com/office/drawing/2014/main" id="{931468BC-776D-4FEC-8530-2EF244BDEE17}"/>
+              </a:ext>
+            </a:extLst>
+          </p:cNvPr>
+          <p:cNvSpPr>
+            <a:spLocks noGrp="1"/>
+          </p:cNvSpPr>
+          <p:nvPr>
+            <p:ph type="title"/>
+          </p:nvPr>
+        </p:nvSpPr>
+        <p:spPr/>
+        <p:txBody>
+          <a:bodyPr>
+            <a:normAutofit/>
+          </a:bodyPr>
+          <a:lstStyle/>
+          <a:p>
+            <a:r>
+              <a:rPr lang="en-US" altLang="zh-TW" sz="2800" dirty="0">
+                <a:solidFill>
+                  <a:schemeClr val="accent1">
+                    <a:lumMod val="75000"/>
+                  </a:schemeClr>
+                </a:solidFill>
+              </a:rPr>
+              <a:t>Introduction</a:t>
+            </a:r>
+            <a:r>
+              <a:rPr lang="en-US" altLang="zh-TW" sz="2400" dirty="0">
+                <a:solidFill>
+                  <a:schemeClr val="accent1">
+                    <a:lumMod val="75000"/>
+                  </a:schemeClr>
+                </a:solidFill>
+              </a:rPr>
+              <a:t/>
+            </a:r>
+            <a:br>
+              <a:rPr lang="en-US" altLang="zh-TW" sz="2400" dirty="0">
+                <a:solidFill>
+                  <a:schemeClr val="accent1">
+                    <a:lumMod val="75000"/>
+                  </a:schemeClr>
+                </a:solidFill>
+              </a:rPr>
+            </a:br>
+            <a:r>
+              <a:rPr lang="en-US" altLang="zh-TW" sz="2000" dirty="0" smtClean="0">
+                <a:solidFill>
+                  <a:schemeClr val="accent1">
+                    <a:lumMod val="75000"/>
+                  </a:schemeClr>
+                </a:solidFill>
+              </a:rPr>
+              <a:t>- Why </a:t>
+            </a:r>
+            <a:r>
+              <a:rPr lang="en-US" altLang="zh-TW" sz="2000" dirty="0">
+                <a:solidFill>
+                  <a:schemeClr val="accent1">
+                    <a:lumMod val="75000"/>
+                  </a:schemeClr>
+                </a:solidFill>
+              </a:rPr>
+              <a:t>PAWS-X ?</a:t>
+            </a:r>
+            <a:br>
+              <a:rPr lang="en-US" altLang="zh-TW" sz="2000" dirty="0">
+                <a:solidFill>
+                  <a:schemeClr val="accent1">
+                    <a:lumMod val="75000"/>
+                  </a:schemeClr>
+                </a:solidFill>
+              </a:rPr>
+            </a:br>
+            <a:r>
+              <a:rPr lang="en-US" altLang="zh-TW" sz="2000" dirty="0" smtClean="0">
+                <a:solidFill>
+                  <a:schemeClr val="accent1">
+                    <a:lumMod val="75000"/>
+                  </a:schemeClr>
+                </a:solidFill>
+              </a:rPr>
+              <a:t>- What </a:t>
+            </a:r>
+            <a:r>
+              <a:rPr lang="en-US" altLang="zh-TW" sz="2000" dirty="0">
+                <a:solidFill>
+                  <a:schemeClr val="accent1">
+                    <a:lumMod val="75000"/>
+                  </a:schemeClr>
+                </a:solidFill>
+              </a:rPr>
+              <a:t>is PAWS-X</a:t>
+            </a:r>
+            <a:r>
+              <a:rPr lang="en-US" altLang="zh-TW" sz="2000" dirty="0" smtClean="0">
+                <a:solidFill>
+                  <a:schemeClr val="accent1">
+                    <a:lumMod val="75000"/>
+                  </a:schemeClr>
+                </a:solidFill>
+              </a:rPr>
+              <a:t>?</a:t>
+            </a:r>
+            <a:r>
+              <a:rPr lang="en-US" altLang="zh-TW" sz="2400" dirty="0" smtClean="0">
+                <a:solidFill>
+                  <a:schemeClr val="accent1">
+                    <a:lumMod val="75000"/>
+                  </a:schemeClr>
+                </a:solidFill>
+              </a:rPr>
+              <a:t/>
+            </a:r>
+            <a:br>
+              <a:rPr lang="en-US" altLang="zh-TW" sz="2400" dirty="0" smtClean="0">
+                <a:solidFill>
+                  <a:schemeClr val="accent1">
+                    <a:lumMod val="75000"/>
+                  </a:schemeClr>
+                </a:solidFill>
+              </a:rPr>
+            </a:br>
+            <a:r>
+              <a:rPr lang="en-US" altLang="zh-TW" sz="2400" dirty="0">
+                <a:solidFill>
+                  <a:schemeClr val="accent1">
+                    <a:lumMod val="75000"/>
+                  </a:schemeClr>
+                </a:solidFill>
+              </a:rPr>
+              <a:t/>
+            </a:r>
+            <a:br>
+              <a:rPr lang="en-US" altLang="zh-TW" sz="2400" dirty="0">
+                <a:solidFill>
+                  <a:schemeClr val="accent1">
+                    <a:lumMod val="75000"/>
+                  </a:schemeClr>
+                </a:solidFill>
+              </a:rPr>
+            </a:br>
+            <a:r>
+              <a:rPr lang="en-US" altLang="zh-TW" sz="2800" dirty="0">
+                <a:solidFill>
+                  <a:schemeClr val="accent1">
+                    <a:lumMod val="75000"/>
+                  </a:schemeClr>
+                </a:solidFill>
+              </a:rPr>
+              <a:t>Method</a:t>
+            </a:r>
+            <a:r>
+              <a:rPr lang="en-US" altLang="zh-TW" sz="2400" dirty="0">
+                <a:solidFill>
+                  <a:schemeClr val="accent1">
+                    <a:lumMod val="75000"/>
+                  </a:schemeClr>
+                </a:solidFill>
+              </a:rPr>
+              <a:t/>
+            </a:r>
+            <a:br>
+              <a:rPr lang="en-US" altLang="zh-TW" sz="2400" dirty="0">
+                <a:solidFill>
+                  <a:schemeClr val="accent1">
+                    <a:lumMod val="75000"/>
+                  </a:schemeClr>
+                </a:solidFill>
+              </a:rPr>
+            </a:br>
+            <a:r>
+              <a:rPr lang="en-US" altLang="zh-TW" sz="2000" dirty="0" smtClean="0">
+                <a:solidFill>
+                  <a:schemeClr val="accent1">
+                    <a:lumMod val="75000"/>
+                  </a:schemeClr>
+                </a:solidFill>
+              </a:rPr>
+              <a:t>- Evaluated </a:t>
+            </a:r>
+            <a:r>
+              <a:rPr lang="en-US" altLang="zh-TW" sz="2000" dirty="0">
+                <a:solidFill>
+                  <a:schemeClr val="accent1">
+                    <a:lumMod val="75000"/>
+                  </a:schemeClr>
+                </a:solidFill>
+              </a:rPr>
+              <a:t>Methods</a:t>
+            </a:r>
+            <a:br>
+              <a:rPr lang="en-US" altLang="zh-TW" sz="2000" dirty="0">
+                <a:solidFill>
+                  <a:schemeClr val="accent1">
+                    <a:lumMod val="75000"/>
+                  </a:schemeClr>
+                </a:solidFill>
+              </a:rPr>
+            </a:br>
+            <a:r>
+              <a:rPr lang="en-US" altLang="zh-TW" sz="2000" dirty="0" smtClean="0">
+                <a:solidFill>
+                  <a:schemeClr val="accent1">
+                    <a:lumMod val="75000"/>
+                  </a:schemeClr>
+                </a:solidFill>
+              </a:rPr>
+              <a:t>- Experiments </a:t>
+            </a:r>
+            <a:r>
+              <a:rPr lang="en-US" altLang="zh-TW" sz="2000" dirty="0">
+                <a:solidFill>
+                  <a:schemeClr val="accent1">
+                    <a:lumMod val="75000"/>
+                  </a:schemeClr>
+                </a:solidFill>
+              </a:rPr>
+              <a:t>and </a:t>
+            </a:r>
+            <a:r>
+              <a:rPr lang="en-US" altLang="zh-TW" sz="2000" dirty="0" smtClean="0">
+                <a:solidFill>
+                  <a:schemeClr val="accent1">
+                    <a:lumMod val="75000"/>
+                  </a:schemeClr>
+                </a:solidFill>
+              </a:rPr>
+              <a:t>Results</a:t>
+            </a:r>
+            <a:r>
+              <a:rPr lang="en-US" altLang="zh-TW" sz="2400" dirty="0" smtClean="0">
+                <a:solidFill>
+                  <a:schemeClr val="accent1">
+                    <a:lumMod val="75000"/>
+                  </a:schemeClr>
+                </a:solidFill>
+              </a:rPr>
+              <a:t/>
+            </a:r>
+            <a:br>
+              <a:rPr lang="en-US" altLang="zh-TW" sz="2400" dirty="0" smtClean="0">
+                <a:solidFill>
+                  <a:schemeClr val="accent1">
+                    <a:lumMod val="75000"/>
+                  </a:schemeClr>
+                </a:solidFill>
+              </a:rPr>
+            </a:br>
+            <a:r>
+              <a:rPr lang="en-US" altLang="zh-TW" sz="2400" dirty="0">
+                <a:solidFill>
+                  <a:schemeClr val="accent1">
+                    <a:lumMod val="75000"/>
+                  </a:schemeClr>
+                </a:solidFill>
+              </a:rPr>
+              <a:t/>
+            </a:r>
+            <a:br>
+              <a:rPr lang="en-US" altLang="zh-TW" sz="2400" dirty="0">
+                <a:solidFill>
+                  <a:schemeClr val="accent1">
+                    <a:lumMod val="75000"/>
+                  </a:schemeClr>
+                </a:solidFill>
+              </a:rPr>
+            </a:br>
+            <a:r>
+              <a:rPr lang="en-US" altLang="zh-TW" sz="2800" dirty="0" smtClean="0">
+                <a:solidFill>
+                  <a:schemeClr val="bg1"/>
+                </a:solidFill>
+              </a:rPr>
+              <a:t>Conclusion</a:t>
+            </a:r>
+            <a:endParaRPr lang="en-US" altLang="zh-TW" sz="2400" dirty="0">
+              <a:solidFill>
+                <a:schemeClr val="bg1"/>
+              </a:solidFill>
+            </a:endParaRPr>
+          </a:p>
+        </p:txBody>
+      </p:sp>
     </p:spTree>
     <p:extLst>
       <p:ext uri="{BB962C8B-B14F-4D97-AF65-F5344CB8AC3E}">
-        <p14:creationId xmlns:p14="http://schemas.microsoft.com/office/powerpoint/2010/main" val="1702648402"/>
+        <p14:creationId xmlns:p14="http://schemas.microsoft.com/office/powerpoint/2010/main" val="1158959090"/>
       </p:ext>
     </p:extLst>
   </p:cSld>
@@ -13924,86 +13583,40 @@
       </p:grpSpPr>
       <p:sp>
         <p:nvSpPr>
-          <p:cNvPr id="3" name="內容版面配置區 2"/>
+          <p:cNvPr id="2" name="標題 1"/>
           <p:cNvSpPr>
             <a:spLocks noGrp="1"/>
           </p:cNvSpPr>
           <p:nvPr>
-            <p:ph idx="1"/>
+            <p:ph type="title"/>
           </p:nvPr>
         </p:nvSpPr>
-        <p:spPr/>
+        <p:spPr>
+          <a:xfrm>
+            <a:off x="3791907" y="1312595"/>
+            <a:ext cx="6066238" cy="2508291"/>
+          </a:xfrm>
+        </p:spPr>
         <p:txBody>
-          <a:bodyPr/>
+          <a:bodyPr>
+            <a:normAutofit/>
+          </a:bodyPr>
           <a:lstStyle/>
           <a:p>
-            <a:pPr marL="0" indent="0">
-              <a:buNone/>
-            </a:pPr>
-            <a:r>
-              <a:rPr lang="en-US" dirty="0" smtClean="0"/>
-              <a:t>Our </a:t>
-            </a:r>
-            <a:r>
-              <a:rPr lang="en-US" dirty="0"/>
-              <a:t>experimental results showed that PAWS-X effectively measures sensitivity of models to word order and the efﬁcacy of cross-lingual learning approaches</a:t>
-            </a:r>
-            <a:r>
-              <a:rPr lang="en-US" dirty="0" smtClean="0"/>
-              <a:t>.</a:t>
-            </a:r>
-          </a:p>
-          <a:p>
-            <a:pPr marL="0" indent="0">
-              <a:buNone/>
-            </a:pPr>
-            <a:r>
-              <a:rPr lang="en-US" dirty="0" smtClean="0"/>
-              <a:t>It </a:t>
-            </a:r>
-            <a:r>
-              <a:rPr lang="en-US" dirty="0"/>
-              <a:t>also leaves considerable headroom as a new challenging benchmark to drive multilingual research on the problem of paraphrase identiﬁcation</a:t>
-            </a:r>
-            <a:r>
-              <a:rPr lang="en-US" dirty="0" smtClean="0"/>
-              <a:t>.</a:t>
-            </a:r>
-          </a:p>
-          <a:p>
-            <a:pPr marL="0" indent="0">
-              <a:buNone/>
-            </a:pPr>
-            <a:endParaRPr lang="en-US" dirty="0"/>
-          </a:p>
-          <a:p>
-            <a:pPr marL="0" indent="0">
-              <a:buNone/>
-            </a:pPr>
-            <a:r>
-              <a:rPr lang="en-US" dirty="0"/>
-              <a:t>The PAWS-X dataset, including both the new human translated pairs and the machine translated examples, is available for download at </a:t>
-            </a:r>
-            <a:r>
-              <a:rPr lang="en-US" dirty="0" smtClean="0">
-                <a:hlinkClick r:id="rId2"/>
-              </a:rPr>
-              <a:t>https</a:t>
-            </a:r>
-            <a:r>
-              <a:rPr lang="en-US" dirty="0">
-                <a:hlinkClick r:id="rId2"/>
-              </a:rPr>
-              <a:t>://github.com/google-research-datasets/paws</a:t>
-            </a:r>
-            <a:r>
-              <a:rPr lang="en-US" dirty="0" smtClean="0"/>
-              <a:t>. </a:t>
-            </a:r>
-            <a:endParaRPr lang="en-US" dirty="0"/>
-          </a:p>
-          <a:p>
-            <a:endParaRPr lang="en-US" dirty="0"/>
+            <a:pPr algn="ctr"/>
+            <a:r>
+              <a:rPr lang="en-US" altLang="zh-TW" sz="4800" b="1" dirty="0" smtClean="0">
+                <a:solidFill>
+                  <a:schemeClr val="accent1"/>
+                </a:solidFill>
+              </a:rPr>
+              <a:t>Q &amp; A</a:t>
+            </a:r>
+            <a:endParaRPr lang="en-US" altLang="zh-TW" sz="4800" b="1" dirty="0">
+              <a:solidFill>
+                <a:schemeClr val="accent1"/>
+              </a:solidFill>
+            </a:endParaRPr>
           </a:p>
         </p:txBody>
       </p:sp>
@@ -14024,7 +13637,7 @@
           <a:p>
             <a:fld id="{EE38EB9C-E11B-4D56-B4D4-511B0D7DCE02}" type="datetime1">
               <a:rPr lang="zh-TW" altLang="en-US" smtClean="0"/>
-              <a:t>2019/10/17</a:t>
+              <a:t>2019/10/18</a:t>
             </a:fld>
             <a:endParaRPr lang="zh-TW" altLang="en-US"/>
           </a:p>
@@ -14076,301 +13689,10 @@
           </a:p>
         </p:txBody>
       </p:sp>
-      <p:sp>
-        <p:nvSpPr>
-          <p:cNvPr id="7" name="Title 1">
-            <a:extLst>
-              <a:ext uri="{FF2B5EF4-FFF2-40B4-BE49-F238E27FC236}">
-                <a16:creationId xmlns:a16="http://schemas.microsoft.com/office/drawing/2014/main" id="{931468BC-776D-4FEC-8530-2EF244BDEE17}"/>
-              </a:ext>
-            </a:extLst>
-          </p:cNvPr>
-          <p:cNvSpPr>
-            <a:spLocks noGrp="1"/>
-          </p:cNvSpPr>
-          <p:nvPr>
-            <p:ph type="title"/>
-          </p:nvPr>
-        </p:nvSpPr>
-        <p:spPr/>
-        <p:txBody>
-          <a:bodyPr>
-            <a:normAutofit/>
-          </a:bodyPr>
-          <a:lstStyle/>
-          <a:p>
-            <a:r>
-              <a:rPr lang="en-US" altLang="zh-TW" sz="2800" dirty="0">
-                <a:solidFill>
-                  <a:schemeClr val="accent1">
-                    <a:lumMod val="75000"/>
-                  </a:schemeClr>
-                </a:solidFill>
-              </a:rPr>
-              <a:t>Introduction</a:t>
-            </a:r>
-            <a:r>
-              <a:rPr lang="en-US" altLang="zh-TW" sz="2400" dirty="0">
-                <a:solidFill>
-                  <a:schemeClr val="accent1">
-                    <a:lumMod val="75000"/>
-                  </a:schemeClr>
-                </a:solidFill>
-              </a:rPr>
-              <a:t/>
-            </a:r>
-            <a:br>
-              <a:rPr lang="en-US" altLang="zh-TW" sz="2400" dirty="0">
-                <a:solidFill>
-                  <a:schemeClr val="accent1">
-                    <a:lumMod val="75000"/>
-                  </a:schemeClr>
-                </a:solidFill>
-              </a:rPr>
-            </a:br>
-            <a:r>
-              <a:rPr lang="en-US" altLang="zh-TW" sz="2000" dirty="0" smtClean="0">
-                <a:solidFill>
-                  <a:schemeClr val="accent1">
-                    <a:lumMod val="75000"/>
-                  </a:schemeClr>
-                </a:solidFill>
-              </a:rPr>
-              <a:t>- Why </a:t>
-            </a:r>
-            <a:r>
-              <a:rPr lang="en-US" altLang="zh-TW" sz="2000" dirty="0">
-                <a:solidFill>
-                  <a:schemeClr val="accent1">
-                    <a:lumMod val="75000"/>
-                  </a:schemeClr>
-                </a:solidFill>
-              </a:rPr>
-              <a:t>PAWS-X ?</a:t>
-            </a:r>
-            <a:br>
-              <a:rPr lang="en-US" altLang="zh-TW" sz="2000" dirty="0">
-                <a:solidFill>
-                  <a:schemeClr val="accent1">
-                    <a:lumMod val="75000"/>
-                  </a:schemeClr>
-                </a:solidFill>
-              </a:rPr>
-            </a:br>
-            <a:r>
-              <a:rPr lang="en-US" altLang="zh-TW" sz="2000" dirty="0" smtClean="0">
-                <a:solidFill>
-                  <a:schemeClr val="accent1">
-                    <a:lumMod val="75000"/>
-                  </a:schemeClr>
-                </a:solidFill>
-              </a:rPr>
-              <a:t>- What </a:t>
-            </a:r>
-            <a:r>
-              <a:rPr lang="en-US" altLang="zh-TW" sz="2000" dirty="0">
-                <a:solidFill>
-                  <a:schemeClr val="accent1">
-                    <a:lumMod val="75000"/>
-                  </a:schemeClr>
-                </a:solidFill>
-              </a:rPr>
-              <a:t>is PAWS-X</a:t>
-            </a:r>
-            <a:r>
-              <a:rPr lang="en-US" altLang="zh-TW" sz="2000" dirty="0" smtClean="0">
-                <a:solidFill>
-                  <a:schemeClr val="accent1">
-                    <a:lumMod val="75000"/>
-                  </a:schemeClr>
-                </a:solidFill>
-              </a:rPr>
-              <a:t>?</a:t>
-            </a:r>
-            <a:r>
-              <a:rPr lang="en-US" altLang="zh-TW" sz="2400" dirty="0" smtClean="0">
-                <a:solidFill>
-                  <a:schemeClr val="accent1">
-                    <a:lumMod val="75000"/>
-                  </a:schemeClr>
-                </a:solidFill>
-              </a:rPr>
-              <a:t/>
-            </a:r>
-            <a:br>
-              <a:rPr lang="en-US" altLang="zh-TW" sz="2400" dirty="0" smtClean="0">
-                <a:solidFill>
-                  <a:schemeClr val="accent1">
-                    <a:lumMod val="75000"/>
-                  </a:schemeClr>
-                </a:solidFill>
-              </a:rPr>
-            </a:br>
-            <a:r>
-              <a:rPr lang="en-US" altLang="zh-TW" sz="2400" dirty="0">
-                <a:solidFill>
-                  <a:schemeClr val="accent1">
-                    <a:lumMod val="75000"/>
-                  </a:schemeClr>
-                </a:solidFill>
-              </a:rPr>
-              <a:t/>
-            </a:r>
-            <a:br>
-              <a:rPr lang="en-US" altLang="zh-TW" sz="2400" dirty="0">
-                <a:solidFill>
-                  <a:schemeClr val="accent1">
-                    <a:lumMod val="75000"/>
-                  </a:schemeClr>
-                </a:solidFill>
-              </a:rPr>
-            </a:br>
-            <a:r>
-              <a:rPr lang="en-US" altLang="zh-TW" sz="2800" dirty="0">
-                <a:solidFill>
-                  <a:schemeClr val="accent1">
-                    <a:lumMod val="75000"/>
-                  </a:schemeClr>
-                </a:solidFill>
-              </a:rPr>
-              <a:t>Method</a:t>
-            </a:r>
-            <a:r>
-              <a:rPr lang="en-US" altLang="zh-TW" sz="2400" dirty="0">
-                <a:solidFill>
-                  <a:schemeClr val="accent1">
-                    <a:lumMod val="75000"/>
-                  </a:schemeClr>
-                </a:solidFill>
-              </a:rPr>
-              <a:t/>
-            </a:r>
-            <a:br>
-              <a:rPr lang="en-US" altLang="zh-TW" sz="2400" dirty="0">
-                <a:solidFill>
-                  <a:schemeClr val="accent1">
-                    <a:lumMod val="75000"/>
-                  </a:schemeClr>
-                </a:solidFill>
-              </a:rPr>
-            </a:br>
-            <a:r>
-              <a:rPr lang="en-US" altLang="zh-TW" sz="2000" dirty="0" smtClean="0">
-                <a:solidFill>
-                  <a:schemeClr val="accent1">
-                    <a:lumMod val="75000"/>
-                  </a:schemeClr>
-                </a:solidFill>
-              </a:rPr>
-              <a:t>- Evaluated </a:t>
-            </a:r>
-            <a:r>
-              <a:rPr lang="en-US" altLang="zh-TW" sz="2000" dirty="0">
-                <a:solidFill>
-                  <a:schemeClr val="accent1">
-                    <a:lumMod val="75000"/>
-                  </a:schemeClr>
-                </a:solidFill>
-              </a:rPr>
-              <a:t>Methods</a:t>
-            </a:r>
-            <a:br>
-              <a:rPr lang="en-US" altLang="zh-TW" sz="2000" dirty="0">
-                <a:solidFill>
-                  <a:schemeClr val="accent1">
-                    <a:lumMod val="75000"/>
-                  </a:schemeClr>
-                </a:solidFill>
-              </a:rPr>
-            </a:br>
-            <a:r>
-              <a:rPr lang="en-US" altLang="zh-TW" sz="2000" dirty="0" smtClean="0">
-                <a:solidFill>
-                  <a:schemeClr val="accent1">
-                    <a:lumMod val="75000"/>
-                  </a:schemeClr>
-                </a:solidFill>
-              </a:rPr>
-              <a:t>- Experiments </a:t>
-            </a:r>
-            <a:r>
-              <a:rPr lang="en-US" altLang="zh-TW" sz="2000" dirty="0">
-                <a:solidFill>
-                  <a:schemeClr val="accent1">
-                    <a:lumMod val="75000"/>
-                  </a:schemeClr>
-                </a:solidFill>
-              </a:rPr>
-              <a:t>and </a:t>
-            </a:r>
-            <a:r>
-              <a:rPr lang="en-US" altLang="zh-TW" sz="2000" dirty="0" smtClean="0">
-                <a:solidFill>
-                  <a:schemeClr val="accent1">
-                    <a:lumMod val="75000"/>
-                  </a:schemeClr>
-                </a:solidFill>
-              </a:rPr>
-              <a:t>Results</a:t>
-            </a:r>
-            <a:r>
-              <a:rPr lang="en-US" altLang="zh-TW" sz="2400" dirty="0" smtClean="0">
-                <a:solidFill>
-                  <a:schemeClr val="accent1">
-                    <a:lumMod val="75000"/>
-                  </a:schemeClr>
-                </a:solidFill>
-              </a:rPr>
-              <a:t/>
-            </a:r>
-            <a:br>
-              <a:rPr lang="en-US" altLang="zh-TW" sz="2400" dirty="0" smtClean="0">
-                <a:solidFill>
-                  <a:schemeClr val="accent1">
-                    <a:lumMod val="75000"/>
-                  </a:schemeClr>
-                </a:solidFill>
-              </a:rPr>
-            </a:br>
-            <a:r>
-              <a:rPr lang="en-US" altLang="zh-TW" sz="2400" dirty="0">
-                <a:solidFill>
-                  <a:schemeClr val="accent1">
-                    <a:lumMod val="75000"/>
-                  </a:schemeClr>
-                </a:solidFill>
-              </a:rPr>
-              <a:t/>
-            </a:r>
-            <a:br>
-              <a:rPr lang="en-US" altLang="zh-TW" sz="2400" dirty="0">
-                <a:solidFill>
-                  <a:schemeClr val="accent1">
-                    <a:lumMod val="75000"/>
-                  </a:schemeClr>
-                </a:solidFill>
-              </a:rPr>
-            </a:br>
-            <a:r>
-              <a:rPr lang="en-US" altLang="zh-TW" sz="2800" dirty="0" smtClean="0">
-                <a:solidFill>
-                  <a:schemeClr val="bg1"/>
-                </a:solidFill>
-              </a:rPr>
-              <a:t>Conclusion</a:t>
-            </a:r>
-            <a:endParaRPr lang="en-US" altLang="zh-TW" sz="2400" dirty="0">
-              <a:solidFill>
-                <a:schemeClr val="bg1"/>
-              </a:solidFill>
-            </a:endParaRPr>
-          </a:p>
-        </p:txBody>
-      </p:sp>
     </p:spTree>
     <p:extLst>
       <p:ext uri="{BB962C8B-B14F-4D97-AF65-F5344CB8AC3E}">
-        <p14:creationId xmlns:p14="http://schemas.microsoft.com/office/powerpoint/2010/main" val="1158959090"/>
+        <p14:creationId xmlns:p14="http://schemas.microsoft.com/office/powerpoint/2010/main" val="4043061456"/>
       </p:ext>
     </p:extLst>
   </p:cSld>
@@ -14537,7 +13859,7 @@
           <a:p>
             <a:fld id="{943C7D6D-3B0C-4754-BD19-4173F53959C2}" type="datetime1">
               <a:rPr lang="zh-TW" altLang="en-US" smtClean="0"/>
-              <a:t>2019/10/17</a:t>
+              <a:t>2019/10/18</a:t>
             </a:fld>
             <a:endParaRPr lang="zh-TW" altLang="en-US"/>
           </a:p>
@@ -14605,151 +13927,6 @@
     <p:extLst>
       <p:ext uri="{BB962C8B-B14F-4D97-AF65-F5344CB8AC3E}">
         <p14:creationId xmlns:p14="http://schemas.microsoft.com/office/powerpoint/2010/main" val="313989667"/>
-      </p:ext>
-    </p:extLst>
-  </p:cSld>
-  <p:clrMapOvr>
-    <a:masterClrMapping/>
-  </p:clrMapOvr>
-  <p:timing>
-    <p:tnLst>
-      <p:par>
-        <p:cTn id="1" dur="indefinite" restart="never" nodeType="tmRoot"/>
-      </p:par>
-    </p:tnLst>
-  </p:timing>
-</p:sld>
-</file>
-
-<file path=ppt/slides/slide20.xml><?xml version="1.0" encoding="utf-8"?>
-<p:sld xmlns:a="http://schemas.openxmlformats.org/drawingml/2006/main" xmlns:r="http://schemas.openxmlformats.org/officeDocument/2006/relationships" xmlns:p="http://schemas.openxmlformats.org/presentationml/2006/main">
-  <p:cSld>
-    <p:spTree>
-      <p:nvGrpSpPr>
-        <p:cNvPr id="1" name=""/>
-        <p:cNvGrpSpPr/>
-        <p:nvPr/>
-      </p:nvGrpSpPr>
-      <p:grpSpPr>
-        <a:xfrm>
-          <a:off x="0" y="0"/>
-          <a:ext cx="0" cy="0"/>
-          <a:chOff x="0" y="0"/>
-          <a:chExt cx="0" cy="0"/>
-        </a:xfrm>
-      </p:grpSpPr>
-      <p:sp>
-        <p:nvSpPr>
-          <p:cNvPr id="2" name="標題 1"/>
-          <p:cNvSpPr>
-            <a:spLocks noGrp="1"/>
-          </p:cNvSpPr>
-          <p:nvPr>
-            <p:ph type="title"/>
-          </p:nvPr>
-        </p:nvSpPr>
-        <p:spPr>
-          <a:xfrm>
-            <a:off x="3791907" y="1312595"/>
-            <a:ext cx="6066238" cy="2508291"/>
-          </a:xfrm>
-        </p:spPr>
-        <p:txBody>
-          <a:bodyPr>
-            <a:normAutofit/>
-          </a:bodyPr>
-          <a:lstStyle/>
-          <a:p>
-            <a:pPr algn="ctr"/>
-            <a:r>
-              <a:rPr lang="en-US" altLang="zh-TW" sz="4800" b="1" dirty="0" smtClean="0">
-                <a:solidFill>
-                  <a:schemeClr val="accent1"/>
-                </a:solidFill>
-              </a:rPr>
-              <a:t>Q &amp; A</a:t>
-            </a:r>
-            <a:endParaRPr lang="en-US" altLang="zh-TW" sz="4800" b="1" dirty="0">
-              <a:solidFill>
-                <a:schemeClr val="accent1"/>
-              </a:solidFill>
-            </a:endParaRPr>
-          </a:p>
-        </p:txBody>
-      </p:sp>
-      <p:sp>
-        <p:nvSpPr>
-          <p:cNvPr id="4" name="日期版面配置區 3"/>
-          <p:cNvSpPr>
-            <a:spLocks noGrp="1"/>
-          </p:cNvSpPr>
-          <p:nvPr>
-            <p:ph type="dt" sz="half" idx="10"/>
-          </p:nvPr>
-        </p:nvSpPr>
-        <p:spPr/>
-        <p:txBody>
-          <a:bodyPr/>
-          <a:lstStyle/>
-          <a:p>
-            <a:fld id="{EE38EB9C-E11B-4D56-B4D4-511B0D7DCE02}" type="datetime1">
-              <a:rPr lang="zh-TW" altLang="en-US" smtClean="0"/>
-              <a:t>2019/10/17</a:t>
-            </a:fld>
-            <a:endParaRPr lang="zh-TW" altLang="en-US"/>
-          </a:p>
-        </p:txBody>
-      </p:sp>
-      <p:sp>
-        <p:nvSpPr>
-          <p:cNvPr id="5" name="頁尾版面配置區 4"/>
-          <p:cNvSpPr>
-            <a:spLocks noGrp="1"/>
-          </p:cNvSpPr>
-          <p:nvPr>
-            <p:ph type="ftr" sz="quarter" idx="11"/>
-          </p:nvPr>
-        </p:nvSpPr>
-        <p:spPr/>
-        <p:txBody>
-          <a:bodyPr/>
-          <a:lstStyle/>
-          <a:p>
-            <a:r>
-              <a:rPr lang="en-US" altLang="zh-TW" smtClean="0"/>
-              <a:t>Weber Huang, TMU NLP Lab</a:t>
-            </a:r>
-            <a:endParaRPr lang="zh-TW" altLang="en-US"/>
-          </a:p>
-        </p:txBody>
-      </p:sp>
-      <p:sp>
-        <p:nvSpPr>
-          <p:cNvPr id="6" name="投影片編號版面配置區 5"/>
-          <p:cNvSpPr>
-            <a:spLocks noGrp="1"/>
-          </p:cNvSpPr>
-          <p:nvPr>
-            <p:ph type="sldNum" sz="quarter" idx="12"/>
-          </p:nvPr>
-        </p:nvSpPr>
-        <p:spPr/>
-        <p:txBody>
-          <a:bodyPr/>
-          <a:lstStyle/>
-          <a:p>
-            <a:fld id="{AABF7C73-049C-4C12-AAE6-7736D80C8E91}" type="slidenum">
-              <a:rPr lang="zh-TW" altLang="en-US" smtClean="0"/>
-              <a:t>20</a:t>
-            </a:fld>
-            <a:endParaRPr lang="zh-TW" altLang="en-US"/>
-          </a:p>
-        </p:txBody>
-      </p:sp>
-    </p:spTree>
-    <p:extLst>
-      <p:ext uri="{BB962C8B-B14F-4D97-AF65-F5344CB8AC3E}">
-        <p14:creationId xmlns:p14="http://schemas.microsoft.com/office/powerpoint/2010/main" val="4043061456"/>
       </p:ext>
     </p:extLst>
   </p:cSld>
@@ -14945,7 +14122,7 @@
           <a:p>
             <a:fld id="{BC213BE3-F5E4-4FD4-A066-89C9F11AB251}" type="datetime1">
               <a:rPr lang="zh-TW" altLang="en-US" smtClean="0"/>
-              <a:t>2019/10/17</a:t>
+              <a:t>2019/10/18</a:t>
             </a:fld>
             <a:endParaRPr lang="zh-TW" altLang="en-US"/>
           </a:p>
@@ -15142,7 +14319,7 @@
           <a:p>
             <a:fld id="{EE38EB9C-E11B-4D56-B4D4-511B0D7DCE02}" type="datetime1">
               <a:rPr lang="zh-TW" altLang="en-US" smtClean="0"/>
-              <a:t>2019/10/17</a:t>
+              <a:t>2019/10/18</a:t>
             </a:fld>
             <a:endParaRPr lang="zh-TW" altLang="en-US"/>
           </a:p>
@@ -15612,7 +14789,7 @@
           <a:p>
             <a:fld id="{109312EB-B831-4682-9A55-48E6409ECA9F}" type="datetime1">
               <a:rPr lang="zh-TW" altLang="en-US" smtClean="0"/>
-              <a:t>2019/10/17</a:t>
+              <a:t>2019/10/18</a:t>
             </a:fld>
             <a:endParaRPr lang="zh-TW" altLang="en-US"/>
           </a:p>
@@ -15816,7 +14993,7 @@
           <a:p>
             <a:fld id="{EE38EB9C-E11B-4D56-B4D4-511B0D7DCE02}" type="datetime1">
               <a:rPr lang="zh-TW" altLang="en-US" smtClean="0"/>
-              <a:t>2019/10/17</a:t>
+              <a:t>2019/10/18</a:t>
             </a:fld>
             <a:endParaRPr lang="zh-TW" altLang="en-US"/>
           </a:p>
@@ -16544,7 +15721,7 @@
           <a:p>
             <a:fld id="{31234E18-8609-4D7F-A367-D17651842CCC}" type="datetime1">
               <a:rPr lang="zh-TW" altLang="en-US" smtClean="0"/>
-              <a:t>2019/10/17</a:t>
+              <a:t>2019/10/18</a:t>
             </a:fld>
             <a:endParaRPr lang="zh-TW" altLang="en-US"/>
           </a:p>
@@ -17183,7 +16360,7 @@
           <a:p>
             <a:fld id="{A677FE85-7A39-447B-B69F-7719E3DFC841}" type="datetime1">
               <a:rPr lang="zh-TW" altLang="en-US" smtClean="0"/>
-              <a:t>2019/10/17</a:t>
+              <a:t>2019/10/18</a:t>
             </a:fld>
             <a:endParaRPr lang="zh-TW" altLang="en-US"/>
           </a:p>
@@ -17986,79 +17163,56 @@
             <p:ph idx="1"/>
           </p:nvPr>
         </p:nvSpPr>
-        <p:spPr/>
+        <p:spPr>
+          <a:xfrm>
+            <a:off x="3869268" y="864108"/>
+            <a:ext cx="7315200" cy="3144556"/>
+          </a:xfrm>
+        </p:spPr>
         <p:txBody>
-          <a:bodyPr/>
+          <a:bodyPr>
+            <a:normAutofit/>
+          </a:bodyPr>
           <a:lstStyle/>
-          <a:p>
-            <a:r>
-              <a:rPr lang="en-US" altLang="zh-TW" b="1" u="sng" dirty="0"/>
-              <a:t>3 advantages </a:t>
-            </a:r>
-            <a:r>
-              <a:rPr lang="en-US" altLang="zh-TW" dirty="0"/>
-              <a:t>of </a:t>
-            </a:r>
-            <a:r>
-              <a:rPr lang="en-US" altLang="zh-TW" b="1" dirty="0"/>
-              <a:t>translation</a:t>
-            </a:r>
-            <a:r>
-              <a:rPr lang="en-US" altLang="zh-TW" dirty="0"/>
-              <a:t> instead of repeating the PAWS data generation approach </a:t>
-            </a:r>
-            <a:r>
-              <a:rPr lang="en-US" altLang="zh-TW" dirty="0" smtClean="0"/>
-              <a:t>: </a:t>
-            </a:r>
-          </a:p>
           <a:p>
             <a:pPr marL="0" indent="0">
               <a:buNone/>
             </a:pPr>
+            <a:r>
+              <a:rPr lang="en-US" altLang="zh-TW" b="1" dirty="0"/>
+              <a:t>Translating Evaluation Sets</a:t>
+            </a:r>
+          </a:p>
+          <a:p>
+            <a:r>
+              <a:rPr lang="en-US" altLang="zh-TW" dirty="0" smtClean="0"/>
+              <a:t>Obtaining </a:t>
+            </a:r>
+            <a:r>
+              <a:rPr lang="en-US" altLang="zh-TW" dirty="0"/>
+              <a:t>human translations on a random sample of 4,000 sentence pairs from the PAWS development set for each of the six </a:t>
+            </a:r>
+            <a:r>
+              <a:rPr lang="en-US" altLang="zh-TW" dirty="0" smtClean="0"/>
+              <a:t>languages</a:t>
+            </a:r>
+          </a:p>
+          <a:p>
+            <a:r>
+              <a:rPr lang="en-US" altLang="zh-TW" dirty="0"/>
+              <a:t>A randomly sampled subset is presented and validated by a second worker. The ﬁnal delivery is guaranteed to have less than 5% word level error rate</a:t>
+            </a:r>
+            <a:r>
+              <a:rPr lang="en-US" altLang="zh-TW" dirty="0" smtClean="0"/>
+              <a:t>.</a:t>
+            </a:r>
+          </a:p>
+          <a:p>
+            <a:r>
+              <a:rPr lang="en-US" altLang="zh-TW" dirty="0"/>
+              <a:t> The sampled 4,000 pairs are split into new development and test sets, 2,000 pairs for each. </a:t>
+            </a:r>
             <a:endParaRPr lang="en-US" altLang="zh-TW" dirty="0" smtClean="0"/>
-          </a:p>
-          <a:p>
-            <a:pPr lvl="1"/>
-            <a:r>
-              <a:rPr lang="en-US" altLang="zh-TW" dirty="0"/>
-              <a:t>human translation does not require high-quality multilingual part-of-speech taggers or named entity </a:t>
-            </a:r>
-            <a:r>
-              <a:rPr lang="en-US" altLang="zh-TW" dirty="0" smtClean="0"/>
-              <a:t>recognizers.</a:t>
-            </a:r>
-          </a:p>
-          <a:p>
-            <a:pPr marL="502920" lvl="1" indent="0">
-              <a:buNone/>
-            </a:pPr>
-            <a:endParaRPr lang="en-US" altLang="zh-TW" dirty="0" smtClean="0"/>
-          </a:p>
-          <a:p>
-            <a:pPr lvl="1"/>
-            <a:r>
-              <a:rPr lang="en-US" altLang="zh-TW" dirty="0"/>
-              <a:t>human translators are trained to produce the target sentence while preserving meaning, thereby ensuring high data </a:t>
-            </a:r>
-            <a:r>
-              <a:rPr lang="en-US" altLang="zh-TW" dirty="0" smtClean="0"/>
-              <a:t>quality.</a:t>
-            </a:r>
-          </a:p>
-          <a:p>
-            <a:pPr marL="502920" lvl="1" indent="0">
-              <a:buNone/>
-            </a:pPr>
-            <a:endParaRPr lang="en-US" altLang="zh-TW" dirty="0" smtClean="0"/>
-          </a:p>
-          <a:p>
-            <a:pPr lvl="1"/>
-            <a:r>
-              <a:rPr lang="en-US" altLang="zh-TW" dirty="0"/>
-              <a:t>the resulting data can provide a new testbed for cross-lingual transfer techniques because examples in all languages are translated from the same sources. </a:t>
-            </a:r>
-            <a:endParaRPr lang="zh-TW" altLang="en-US" dirty="0"/>
           </a:p>
         </p:txBody>
       </p:sp>
@@ -18085,7 +17239,7 @@
           <a:p>
             <a:fld id="{3415ADB7-4E4D-4BFE-9487-40AE12F6211F}" type="datetime1">
               <a:rPr lang="zh-TW" altLang="en-US" smtClean="0"/>
-              <a:t>2019/10/17</a:t>
+              <a:t>2019/10/18</a:t>
             </a:fld>
             <a:endParaRPr lang="zh-TW" altLang="en-US"/>
           </a:p>
@@ -18151,7 +17305,314 @@
       </p:sp>
       <p:sp>
         <p:nvSpPr>
-          <p:cNvPr id="8" name="Title 1">
+          <p:cNvPr id="7" name="橢圓 6"/>
+          <p:cNvSpPr/>
+          <p:nvPr/>
+        </p:nvSpPr>
+        <p:spPr>
+          <a:xfrm>
+            <a:off x="3755572" y="4195042"/>
+            <a:ext cx="1828800" cy="1306285"/>
+          </a:xfrm>
+          <a:prstGeom prst="ellipse">
+            <a:avLst/>
+          </a:prstGeom>
+          <a:solidFill>
+            <a:schemeClr val="accent3"/>
+          </a:solidFill>
+          <a:ln>
+            <a:noFill/>
+          </a:ln>
+        </p:spPr>
+        <p:style>
+          <a:lnRef idx="2">
+            <a:schemeClr val="accent1">
+              <a:shade val="50000"/>
+            </a:schemeClr>
+          </a:lnRef>
+          <a:fillRef idx="1">
+            <a:schemeClr val="accent1"/>
+          </a:fillRef>
+          <a:effectRef idx="0">
+            <a:schemeClr val="accent1"/>
+          </a:effectRef>
+          <a:fontRef idx="minor">
+            <a:schemeClr val="lt1"/>
+          </a:fontRef>
+        </p:style>
+        <p:txBody>
+          <a:bodyPr rtlCol="0" anchor="ctr"/>
+          <a:lstStyle/>
+          <a:p>
+            <a:pPr algn="ctr"/>
+            <a:r>
+              <a:rPr lang="en-US" dirty="0" smtClean="0"/>
+              <a:t>Human translated data </a:t>
+            </a:r>
+            <a:endParaRPr lang="en-US" dirty="0"/>
+          </a:p>
+        </p:txBody>
+      </p:sp>
+      <p:sp>
+        <p:nvSpPr>
+          <p:cNvPr id="8" name="向右箭號 7"/>
+          <p:cNvSpPr/>
+          <p:nvPr/>
+        </p:nvSpPr>
+        <p:spPr>
+          <a:xfrm>
+            <a:off x="5772150" y="4627748"/>
+            <a:ext cx="449036" cy="440871"/>
+          </a:xfrm>
+          <a:prstGeom prst="rightArrow">
+            <a:avLst/>
+          </a:prstGeom>
+        </p:spPr>
+        <p:style>
+          <a:lnRef idx="2">
+            <a:schemeClr val="accent1">
+              <a:shade val="50000"/>
+            </a:schemeClr>
+          </a:lnRef>
+          <a:fillRef idx="1">
+            <a:schemeClr val="accent1"/>
+          </a:fillRef>
+          <a:effectRef idx="0">
+            <a:schemeClr val="accent1"/>
+          </a:effectRef>
+          <a:fontRef idx="minor">
+            <a:schemeClr val="lt1"/>
+          </a:fontRef>
+        </p:style>
+        <p:txBody>
+          <a:bodyPr rtlCol="0" anchor="ctr"/>
+          <a:lstStyle/>
+          <a:p>
+            <a:pPr algn="ctr"/>
+            <a:endParaRPr lang="en-US"/>
+          </a:p>
+        </p:txBody>
+      </p:sp>
+      <p:sp>
+        <p:nvSpPr>
+          <p:cNvPr id="9" name="橢圓 8"/>
+          <p:cNvSpPr/>
+          <p:nvPr/>
+        </p:nvSpPr>
+        <p:spPr>
+          <a:xfrm>
+            <a:off x="6466115" y="4195042"/>
+            <a:ext cx="2481944" cy="1306285"/>
+          </a:xfrm>
+          <a:prstGeom prst="ellipse">
+            <a:avLst/>
+          </a:prstGeom>
+          <a:solidFill>
+            <a:schemeClr val="accent2">
+              <a:lumMod val="75000"/>
+            </a:schemeClr>
+          </a:solidFill>
+          <a:ln>
+            <a:noFill/>
+          </a:ln>
+        </p:spPr>
+        <p:style>
+          <a:lnRef idx="2">
+            <a:schemeClr val="accent1">
+              <a:shade val="50000"/>
+            </a:schemeClr>
+          </a:lnRef>
+          <a:fillRef idx="1">
+            <a:schemeClr val="accent1"/>
+          </a:fillRef>
+          <a:effectRef idx="0">
+            <a:schemeClr val="accent1"/>
+          </a:effectRef>
+          <a:fontRef idx="minor">
+            <a:schemeClr val="lt1"/>
+          </a:fontRef>
+        </p:style>
+        <p:txBody>
+          <a:bodyPr rtlCol="0" anchor="ctr"/>
+          <a:lstStyle/>
+          <a:p>
+            <a:pPr algn="ctr"/>
+            <a:r>
+              <a:rPr lang="en-US" dirty="0" smtClean="0"/>
+              <a:t>4,000 </a:t>
+            </a:r>
+            <a:r>
+              <a:rPr lang="en-US" dirty="0"/>
+              <a:t>sentence </a:t>
+            </a:r>
+            <a:r>
+              <a:rPr lang="en-US" dirty="0" smtClean="0"/>
+              <a:t>pairs if each language</a:t>
+            </a:r>
+            <a:endParaRPr lang="en-US" dirty="0"/>
+          </a:p>
+        </p:txBody>
+      </p:sp>
+      <p:sp>
+        <p:nvSpPr>
+          <p:cNvPr id="10" name="向右箭號 9"/>
+          <p:cNvSpPr/>
+          <p:nvPr/>
+        </p:nvSpPr>
+        <p:spPr>
+          <a:xfrm rot="20078469">
+            <a:off x="9029700" y="4121563"/>
+            <a:ext cx="587829" cy="269421"/>
+          </a:xfrm>
+          <a:prstGeom prst="rightArrow">
+            <a:avLst/>
+          </a:prstGeom>
+        </p:spPr>
+        <p:style>
+          <a:lnRef idx="2">
+            <a:schemeClr val="accent1">
+              <a:shade val="50000"/>
+            </a:schemeClr>
+          </a:lnRef>
+          <a:fillRef idx="1">
+            <a:schemeClr val="accent1"/>
+          </a:fillRef>
+          <a:effectRef idx="0">
+            <a:schemeClr val="accent1"/>
+          </a:effectRef>
+          <a:fontRef idx="minor">
+            <a:schemeClr val="lt1"/>
+          </a:fontRef>
+        </p:style>
+        <p:txBody>
+          <a:bodyPr rtlCol="0" anchor="ctr"/>
+          <a:lstStyle/>
+          <a:p>
+            <a:pPr algn="ctr"/>
+            <a:endParaRPr lang="en-US"/>
+          </a:p>
+        </p:txBody>
+      </p:sp>
+      <p:sp>
+        <p:nvSpPr>
+          <p:cNvPr id="11" name="向右箭號 10"/>
+          <p:cNvSpPr/>
+          <p:nvPr/>
+        </p:nvSpPr>
+        <p:spPr>
+          <a:xfrm rot="1542434">
+            <a:off x="9029732" y="5161684"/>
+            <a:ext cx="587829" cy="269421"/>
+          </a:xfrm>
+          <a:prstGeom prst="rightArrow">
+            <a:avLst/>
+          </a:prstGeom>
+        </p:spPr>
+        <p:style>
+          <a:lnRef idx="2">
+            <a:schemeClr val="accent1">
+              <a:shade val="50000"/>
+            </a:schemeClr>
+          </a:lnRef>
+          <a:fillRef idx="1">
+            <a:schemeClr val="accent1"/>
+          </a:fillRef>
+          <a:effectRef idx="0">
+            <a:schemeClr val="accent1"/>
+          </a:effectRef>
+          <a:fontRef idx="minor">
+            <a:schemeClr val="lt1"/>
+          </a:fontRef>
+        </p:style>
+        <p:txBody>
+          <a:bodyPr rtlCol="0" anchor="ctr"/>
+          <a:lstStyle/>
+          <a:p>
+            <a:pPr algn="ctr"/>
+            <a:endParaRPr lang="en-US"/>
+          </a:p>
+        </p:txBody>
+      </p:sp>
+      <p:sp>
+        <p:nvSpPr>
+          <p:cNvPr id="12" name="文字方塊 11"/>
+          <p:cNvSpPr txBox="1"/>
+          <p:nvPr/>
+        </p:nvSpPr>
+        <p:spPr>
+          <a:xfrm>
+            <a:off x="9646902" y="3861707"/>
+            <a:ext cx="2545097" cy="646331"/>
+          </a:xfrm>
+          <a:prstGeom prst="rect">
+            <a:avLst/>
+          </a:prstGeom>
+          <a:noFill/>
+        </p:spPr>
+        <p:txBody>
+          <a:bodyPr wrap="square" rtlCol="0">
+            <a:spAutoFit/>
+          </a:bodyPr>
+          <a:lstStyle/>
+          <a:p>
+            <a:r>
+              <a:rPr lang="en-US" altLang="zh-TW" dirty="0"/>
+              <a:t>development sets </a:t>
+            </a:r>
+            <a:endParaRPr lang="en-US" altLang="zh-TW" dirty="0" smtClean="0"/>
+          </a:p>
+          <a:p>
+            <a:r>
+              <a:rPr lang="en-US" dirty="0" smtClean="0"/>
+              <a:t>2000 pairs</a:t>
+            </a:r>
+            <a:endParaRPr lang="en-US" dirty="0"/>
+          </a:p>
+        </p:txBody>
+      </p:sp>
+      <p:sp>
+        <p:nvSpPr>
+          <p:cNvPr id="13" name="文字方塊 12"/>
+          <p:cNvSpPr txBox="1"/>
+          <p:nvPr/>
+        </p:nvSpPr>
+        <p:spPr>
+          <a:xfrm>
+            <a:off x="9646902" y="5222098"/>
+            <a:ext cx="2359416" cy="646331"/>
+          </a:xfrm>
+          <a:prstGeom prst="rect">
+            <a:avLst/>
+          </a:prstGeom>
+          <a:noFill/>
+        </p:spPr>
+        <p:txBody>
+          <a:bodyPr wrap="square" rtlCol="0">
+            <a:spAutoFit/>
+          </a:bodyPr>
+          <a:lstStyle/>
+          <a:p>
+            <a:r>
+              <a:rPr lang="en-US" altLang="zh-TW" dirty="0"/>
+              <a:t>test sets </a:t>
+            </a:r>
+            <a:r>
+              <a:rPr lang="en-US" altLang="zh-TW" dirty="0" smtClean="0"/>
+              <a:t> </a:t>
+            </a:r>
+          </a:p>
+          <a:p>
+            <a:r>
+              <a:rPr lang="en-US" dirty="0" smtClean="0"/>
+              <a:t>2000 pairs</a:t>
+            </a:r>
+            <a:endParaRPr lang="en-US" dirty="0"/>
+          </a:p>
+        </p:txBody>
+      </p:sp>
+      <p:sp>
+        <p:nvSpPr>
+          <p:cNvPr id="16" name="Title 1">
             <a:extLst>
               <a:ext uri="{FF2B5EF4-FFF2-40B4-BE49-F238E27FC236}">
                 <a16:creationId xmlns:a16="http://schemas.microsoft.com/office/drawing/2014/main" id="{931468BC-776D-4FEC-8530-2EF244BDEE17}"/>
@@ -18421,7 +17882,7 @@
     </p:spTree>
     <p:extLst>
       <p:ext uri="{BB962C8B-B14F-4D97-AF65-F5344CB8AC3E}">
-        <p14:creationId xmlns:p14="http://schemas.microsoft.com/office/powerpoint/2010/main" val="1993253124"/>
+        <p14:creationId xmlns:p14="http://schemas.microsoft.com/office/powerpoint/2010/main" val="3109754675"/>
       </p:ext>
     </p:extLst>
   </p:cSld>
